--- a/G22_slides.pptx
+++ b/G22_slides.pptx
@@ -31,8 +31,8 @@
     <p:sldId id="298" r:id="rId22"/>
     <p:sldId id="300" r:id="rId23"/>
     <p:sldId id="304" r:id="rId24"/>
-    <p:sldId id="302" r:id="rId25"/>
-    <p:sldId id="301" r:id="rId26"/>
+    <p:sldId id="307" r:id="rId25"/>
+    <p:sldId id="306" r:id="rId26"/>
     <p:sldId id="305" r:id="rId27"/>
     <p:sldId id="274" r:id="rId28"/>
   </p:sldIdLst>
@@ -2035,194 +2035,6 @@
             <a:pPr rtl="0"/>
             <a:fld id="{339D21CC-DD94-204E-93C8-E1AAF3084C8D}" type="slidenum">
               <a:rPr lang="it-IT" smtClean="0"/>
-              <a:t>21</a:t>
-            </a:fld>
-            <a:endParaRPr lang="it-IT"/>
-          </a:p>
-        </p:txBody>
-      </p:sp>
-    </p:spTree>
-    <p:extLst>
-      <p:ext uri="{BB962C8B-B14F-4D97-AF65-F5344CB8AC3E}">
-        <p14:creationId xmlns:p14="http://schemas.microsoft.com/office/powerpoint/2010/main" val="4294660783"/>
-      </p:ext>
-    </p:extLst>
-  </p:cSld>
-  <p:clrMapOvr>
-    <a:masterClrMapping/>
-  </p:clrMapOvr>
-</p:notes>
-</file>
-
-<file path=ppt/notesSlides/notesSlide22.xml><?xml version="1.0" encoding="utf-8"?>
-<p:notes xmlns:a="http://schemas.openxmlformats.org/drawingml/2006/main" xmlns:r="http://schemas.openxmlformats.org/officeDocument/2006/relationships" xmlns:p="http://schemas.openxmlformats.org/presentationml/2006/main">
-  <p:cSld>
-    <p:spTree>
-      <p:nvGrpSpPr>
-        <p:cNvPr id="1" name=""/>
-        <p:cNvGrpSpPr/>
-        <p:nvPr/>
-      </p:nvGrpSpPr>
-      <p:grpSpPr>
-        <a:xfrm>
-          <a:off x="0" y="0"/>
-          <a:ext cx="0" cy="0"/>
-          <a:chOff x="0" y="0"/>
-          <a:chExt cx="0" cy="0"/>
-        </a:xfrm>
-      </p:grpSpPr>
-      <p:sp>
-        <p:nvSpPr>
-          <p:cNvPr id="2" name="Segnaposto immagine diapositiva 1"/>
-          <p:cNvSpPr>
-            <a:spLocks noGrp="1" noRot="1" noChangeAspect="1"/>
-          </p:cNvSpPr>
-          <p:nvPr>
-            <p:ph type="sldImg"/>
-          </p:nvPr>
-        </p:nvSpPr>
-        <p:spPr/>
-      </p:sp>
-      <p:sp>
-        <p:nvSpPr>
-          <p:cNvPr id="3" name="Segnaposto note 2"/>
-          <p:cNvSpPr>
-            <a:spLocks noGrp="1"/>
-          </p:cNvSpPr>
-          <p:nvPr>
-            <p:ph type="body" idx="1"/>
-          </p:nvPr>
-        </p:nvSpPr>
-        <p:spPr/>
-        <p:txBody>
-          <a:bodyPr rtlCol="0"/>
-          <a:lstStyle>
-            <a:defPPr>
-              <a:defRPr lang="it-IT"/>
-            </a:defPPr>
-          </a:lstStyle>
-          <a:p>
-            <a:pPr rtl="0"/>
-            <a:endParaRPr lang="it-IT"/>
-          </a:p>
-        </p:txBody>
-      </p:sp>
-      <p:sp>
-        <p:nvSpPr>
-          <p:cNvPr id="4" name="Segnaposto numero diapositiva 3"/>
-          <p:cNvSpPr>
-            <a:spLocks noGrp="1"/>
-          </p:cNvSpPr>
-          <p:nvPr>
-            <p:ph type="sldNum" sz="quarter" idx="5"/>
-          </p:nvPr>
-        </p:nvSpPr>
-        <p:spPr/>
-        <p:txBody>
-          <a:bodyPr rtlCol="0"/>
-          <a:lstStyle>
-            <a:defPPr>
-              <a:defRPr lang="it-IT"/>
-            </a:defPPr>
-          </a:lstStyle>
-          <a:p>
-            <a:pPr rtl="0"/>
-            <a:fld id="{339D21CC-DD94-204E-93C8-E1AAF3084C8D}" type="slidenum">
-              <a:rPr lang="it-IT" smtClean="0"/>
-              <a:t>22</a:t>
-            </a:fld>
-            <a:endParaRPr lang="it-IT"/>
-          </a:p>
-        </p:txBody>
-      </p:sp>
-    </p:spTree>
-    <p:extLst>
-      <p:ext uri="{BB962C8B-B14F-4D97-AF65-F5344CB8AC3E}">
-        <p14:creationId xmlns:p14="http://schemas.microsoft.com/office/powerpoint/2010/main" val="1176665653"/>
-      </p:ext>
-    </p:extLst>
-  </p:cSld>
-  <p:clrMapOvr>
-    <a:masterClrMapping/>
-  </p:clrMapOvr>
-</p:notes>
-</file>
-
-<file path=ppt/notesSlides/notesSlide23.xml><?xml version="1.0" encoding="utf-8"?>
-<p:notes xmlns:a="http://schemas.openxmlformats.org/drawingml/2006/main" xmlns:r="http://schemas.openxmlformats.org/officeDocument/2006/relationships" xmlns:p="http://schemas.openxmlformats.org/presentationml/2006/main">
-  <p:cSld>
-    <p:spTree>
-      <p:nvGrpSpPr>
-        <p:cNvPr id="1" name=""/>
-        <p:cNvGrpSpPr/>
-        <p:nvPr/>
-      </p:nvGrpSpPr>
-      <p:grpSpPr>
-        <a:xfrm>
-          <a:off x="0" y="0"/>
-          <a:ext cx="0" cy="0"/>
-          <a:chOff x="0" y="0"/>
-          <a:chExt cx="0" cy="0"/>
-        </a:xfrm>
-      </p:grpSpPr>
-      <p:sp>
-        <p:nvSpPr>
-          <p:cNvPr id="2" name="Segnaposto immagine diapositiva 1"/>
-          <p:cNvSpPr>
-            <a:spLocks noGrp="1" noRot="1" noChangeAspect="1"/>
-          </p:cNvSpPr>
-          <p:nvPr>
-            <p:ph type="sldImg"/>
-          </p:nvPr>
-        </p:nvSpPr>
-        <p:spPr/>
-      </p:sp>
-      <p:sp>
-        <p:nvSpPr>
-          <p:cNvPr id="3" name="Segnaposto note 2"/>
-          <p:cNvSpPr>
-            <a:spLocks noGrp="1"/>
-          </p:cNvSpPr>
-          <p:nvPr>
-            <p:ph type="body" idx="1"/>
-          </p:nvPr>
-        </p:nvSpPr>
-        <p:spPr/>
-        <p:txBody>
-          <a:bodyPr rtlCol="0"/>
-          <a:lstStyle>
-            <a:defPPr>
-              <a:defRPr lang="it-IT"/>
-            </a:defPPr>
-          </a:lstStyle>
-          <a:p>
-            <a:pPr rtl="0"/>
-            <a:endParaRPr lang="it-IT"/>
-          </a:p>
-        </p:txBody>
-      </p:sp>
-      <p:sp>
-        <p:nvSpPr>
-          <p:cNvPr id="4" name="Segnaposto numero diapositiva 3"/>
-          <p:cNvSpPr>
-            <a:spLocks noGrp="1"/>
-          </p:cNvSpPr>
-          <p:nvPr>
-            <p:ph type="sldNum" sz="quarter" idx="5"/>
-          </p:nvPr>
-        </p:nvSpPr>
-        <p:spPr/>
-        <p:txBody>
-          <a:bodyPr rtlCol="0"/>
-          <a:lstStyle>
-            <a:defPPr>
-              <a:defRPr lang="it-IT"/>
-            </a:defPPr>
-          </a:lstStyle>
-          <a:p>
-            <a:pPr rtl="0"/>
-            <a:fld id="{339D21CC-DD94-204E-93C8-E1AAF3084C8D}" type="slidenum">
-              <a:rPr lang="it-IT" smtClean="0"/>
               <a:t>23</a:t>
             </a:fld>
             <a:endParaRPr lang="it-IT"/>
@@ -2242,7 +2054,7 @@
 </p:notes>
 </file>
 
-<file path=ppt/notesSlides/notesSlide24.xml><?xml version="1.0" encoding="utf-8"?>
+<file path=ppt/notesSlides/notesSlide22.xml><?xml version="1.0" encoding="utf-8"?>
 <p:notes xmlns:a="http://schemas.openxmlformats.org/drawingml/2006/main" xmlns:r="http://schemas.openxmlformats.org/officeDocument/2006/relationships" xmlns:p="http://schemas.openxmlformats.org/presentationml/2006/main">
   <p:cSld>
     <p:spTree>
@@ -20073,7 +19885,7 @@
         </p:nvSpPr>
         <p:spPr>
           <a:xfrm>
-            <a:off x="2724912" y="1387835"/>
+            <a:off x="2724912" y="1404757"/>
             <a:ext cx="5943600" cy="411480"/>
           </a:xfrm>
         </p:spPr>
@@ -25496,7 +25308,12 @@
             <p:ph type="sldNum" sz="quarter" idx="15"/>
           </p:nvPr>
         </p:nvSpPr>
-        <p:spPr/>
+        <p:spPr>
+          <a:xfrm>
+            <a:off x="1651903" y="531845"/>
+            <a:ext cx="1893730" cy="2687216"/>
+          </a:xfrm>
+        </p:spPr>
         <p:txBody>
           <a:bodyPr rtlCol="0"/>
           <a:lstStyle>
@@ -26351,8 +26168,8 @@
           </a:p>
         </p:txBody>
       </p:sp>
-      <mc:AlternateContent xmlns:mc="http://schemas.openxmlformats.org/markup-compatibility/2006">
-        <mc:Choice xmlns:a14="http://schemas.microsoft.com/office/drawing/2010/main" Requires="a14">
+      <mc:AlternateContent xmlns:mc="http://schemas.openxmlformats.org/markup-compatibility/2006" xmlns:a14="http://schemas.microsoft.com/office/drawing/2010/main">
+        <mc:Choice Requires="a14">
           <p:sp>
             <p:nvSpPr>
               <p:cNvPr id="26" name="Segnaposto contenuto 1">
@@ -27427,6 +27244,7 @@
                 </a:r>
               </a:p>
               <a:p>
+                <a:pPr/>
                 <a14:m>
                   <m:oMathPara xmlns:m="http://schemas.openxmlformats.org/officeDocument/2006/math">
                     <m:oMathParaPr>
@@ -27761,7 +27579,7 @@
             </p:txBody>
           </p:sp>
         </mc:Choice>
-        <mc:Fallback>
+        <mc:Fallback xmlns="">
           <p:sp>
             <p:nvSpPr>
               <p:cNvPr id="26" name="Segnaposto contenuto 1">
@@ -28371,7 +28189,19 @@
             </a:pPr>
             <a:r>
               <a:rPr lang="en-US" dirty="0"/>
-              <a:t>The dataset needed more preprocessing;</a:t>
+              <a:t>The dataset needed </a:t>
+            </a:r>
+            <a:r>
+              <a:rPr lang="en-US" dirty="0">
+                <a:solidFill>
+                  <a:schemeClr val="accent2"/>
+                </a:solidFill>
+              </a:rPr>
+              <a:t>more preprocessing</a:t>
+            </a:r>
+            <a:r>
+              <a:rPr lang="en-US" dirty="0"/>
+              <a:t>;</a:t>
             </a:r>
           </a:p>
           <a:p>
@@ -28389,7 +28219,19 @@
             </a:r>
             <a:r>
               <a:rPr lang="en-US" dirty="0"/>
-              <a:t> have to be regularized;</a:t>
+              <a:t> have to be </a:t>
+            </a:r>
+            <a:r>
+              <a:rPr lang="en-US" dirty="0">
+                <a:solidFill>
+                  <a:schemeClr val="accent2"/>
+                </a:solidFill>
+              </a:rPr>
+              <a:t>regularized</a:t>
+            </a:r>
+            <a:r>
+              <a:rPr lang="en-US" dirty="0"/>
+              <a:t>;</a:t>
             </a:r>
           </a:p>
           <a:p>
@@ -28402,7 +28244,11 @@
               <a:t>The optimizer lacks in precision because of the </a:t>
             </a:r>
             <a:r>
-              <a:rPr lang="en-US" dirty="0" err="1"/>
+              <a:rPr lang="en-US" dirty="0" err="1">
+                <a:solidFill>
+                  <a:schemeClr val="accent2"/>
+                </a:solidFill>
+              </a:rPr>
               <a:t>initializiation</a:t>
             </a:r>
             <a:r>
@@ -29177,10 +29023,38 @@
       </p:grpSpPr>
       <p:sp>
         <p:nvSpPr>
-          <p:cNvPr id="20" name="Segnaposto testo 19">
-            <a:extLst>
-              <a:ext uri="{FF2B5EF4-FFF2-40B4-BE49-F238E27FC236}">
-                <a16:creationId xmlns:a16="http://schemas.microsoft.com/office/drawing/2014/main" id="{7D61BAD3-11BF-AA74-F4B3-2ABC02077200}"/>
+          <p:cNvPr id="2" name="Titolo 1">
+            <a:extLst>
+              <a:ext uri="{FF2B5EF4-FFF2-40B4-BE49-F238E27FC236}">
+                <a16:creationId xmlns:a16="http://schemas.microsoft.com/office/drawing/2014/main" id="{E7431027-B8BF-2A7C-3A5D-8BD00027614F}"/>
+              </a:ext>
+            </a:extLst>
+          </p:cNvPr>
+          <p:cNvSpPr>
+            <a:spLocks noGrp="1"/>
+          </p:cNvSpPr>
+          <p:nvPr>
+            <p:ph type="title"/>
+          </p:nvPr>
+        </p:nvSpPr>
+        <p:spPr/>
+        <p:txBody>
+          <a:bodyPr/>
+          <a:lstStyle/>
+          <a:p>
+            <a:r>
+              <a:rPr lang="it-IT" dirty="0"/>
+              <a:t>The models</a:t>
+            </a:r>
+          </a:p>
+        </p:txBody>
+      </p:sp>
+      <p:sp>
+        <p:nvSpPr>
+          <p:cNvPr id="4" name="Segnaposto testo 3">
+            <a:extLst>
+              <a:ext uri="{FF2B5EF4-FFF2-40B4-BE49-F238E27FC236}">
+                <a16:creationId xmlns:a16="http://schemas.microsoft.com/office/drawing/2014/main" id="{9B611163-C185-E503-4683-2AA61B38C718}"/>
               </a:ext>
             </a:extLst>
           </p:cNvPr>
@@ -29193,99 +29067,151 @@
         </p:nvSpPr>
         <p:spPr/>
         <p:txBody>
-          <a:bodyPr rtlCol="0"/>
-          <a:lstStyle>
-            <a:defPPr>
-              <a:defRPr lang="it-IT"/>
-            </a:defPPr>
-          </a:lstStyle>
-          <a:p>
-            <a:pPr rtl="0"/>
-            <a:endParaRPr lang="it-IT" dirty="0"/>
-          </a:p>
-        </p:txBody>
-      </p:sp>
-      <p:sp>
-        <p:nvSpPr>
-          <p:cNvPr id="18" name="Titolo 23">
-            <a:extLst>
-              <a:ext uri="{FF2B5EF4-FFF2-40B4-BE49-F238E27FC236}">
-                <a16:creationId xmlns:a16="http://schemas.microsoft.com/office/drawing/2014/main" id="{862E377C-B484-3BAD-EE4F-5E2B06258AE5}"/>
-              </a:ext>
-            </a:extLst>
-          </p:cNvPr>
-          <p:cNvSpPr>
-            <a:spLocks noGrp="1"/>
-          </p:cNvSpPr>
-          <p:nvPr>
-            <p:ph type="title"/>
-          </p:nvPr>
-        </p:nvSpPr>
+          <a:bodyPr/>
+          <a:lstStyle/>
+          <a:p>
+            <a:endParaRPr lang="it-IT"/>
+          </a:p>
+        </p:txBody>
+      </p:sp>
+      <p:pic>
+        <p:nvPicPr>
+          <p:cNvPr id="6" name="Immagine 5">
+            <a:extLst>
+              <a:ext uri="{FF2B5EF4-FFF2-40B4-BE49-F238E27FC236}">
+                <a16:creationId xmlns:a16="http://schemas.microsoft.com/office/drawing/2014/main" id="{38B21457-8751-9A86-DB09-EA21F3720882}"/>
+              </a:ext>
+            </a:extLst>
+          </p:cNvPr>
+          <p:cNvPicPr>
+            <a:picLocks noChangeAspect="1"/>
+          </p:cNvPicPr>
+          <p:nvPr/>
+        </p:nvPicPr>
+        <p:blipFill>
+          <a:blip r:embed="rId2"/>
+          <a:stretch>
+            <a:fillRect/>
+          </a:stretch>
+        </p:blipFill>
         <p:spPr>
           <a:xfrm>
-            <a:off x="2587811" y="722376"/>
-            <a:ext cx="8870656" cy="764982"/>
+            <a:off x="889661" y="2491274"/>
+            <a:ext cx="3744064" cy="3834882"/>
           </a:xfrm>
+          <a:prstGeom prst="rect">
+            <a:avLst/>
+          </a:prstGeom>
+          <a:ln>
+            <a:noFill/>
+          </a:ln>
+          <a:effectLst>
+            <a:outerShdw blurRad="190500" algn="tl" rotWithShape="0">
+              <a:srgbClr val="000000">
+                <a:alpha val="70000"/>
+              </a:srgbClr>
+            </a:outerShdw>
+          </a:effectLst>
         </p:spPr>
-        <p:txBody>
-          <a:bodyPr rtlCol="0"/>
-          <a:lstStyle>
-            <a:defPPr>
-              <a:defRPr lang="it-IT"/>
-            </a:defPPr>
-          </a:lstStyle>
-          <a:p>
-            <a:pPr rtl="0"/>
-            <a:r>
-              <a:rPr lang="it-IT" dirty="0"/>
-              <a:t>Data Collection</a:t>
-            </a:r>
-          </a:p>
-        </p:txBody>
-      </p:sp>
-      <p:sp>
-        <p:nvSpPr>
-          <p:cNvPr id="19" name="Segnaposto numero diapositiva 4">
-            <a:extLst>
-              <a:ext uri="{FF2B5EF4-FFF2-40B4-BE49-F238E27FC236}">
-                <a16:creationId xmlns:a16="http://schemas.microsoft.com/office/drawing/2014/main" id="{9378F953-68EC-FBD7-8109-06573E4D49C1}"/>
-              </a:ext>
-            </a:extLst>
-          </p:cNvPr>
-          <p:cNvSpPr>
-            <a:spLocks noGrp="1"/>
-          </p:cNvSpPr>
-          <p:nvPr>
-            <p:ph type="sldNum" sz="quarter" idx="15"/>
-          </p:nvPr>
+      </p:pic>
+      <p:sp>
+        <p:nvSpPr>
+          <p:cNvPr id="7" name="CasellaDiTesto 6">
+            <a:extLst>
+              <a:ext uri="{FF2B5EF4-FFF2-40B4-BE49-F238E27FC236}">
+                <a16:creationId xmlns:a16="http://schemas.microsoft.com/office/drawing/2014/main" id="{1F9B1EFF-4ED7-6DCB-5D91-8614EE17C2BE}"/>
+              </a:ext>
+            </a:extLst>
+          </p:cNvPr>
+          <p:cNvSpPr txBox="1"/>
+          <p:nvPr/>
         </p:nvSpPr>
         <p:spPr>
           <a:xfrm>
-            <a:off x="1642378" y="809244"/>
-            <a:ext cx="941832" cy="621792"/>
+            <a:off x="793108" y="1660849"/>
+            <a:ext cx="3821955" cy="646331"/>
           </a:xfrm>
+          <a:prstGeom prst="rect">
+            <a:avLst/>
+          </a:prstGeom>
+          <a:noFill/>
         </p:spPr>
         <p:txBody>
-          <a:bodyPr rtlCol="0"/>
-          <a:lstStyle>
-            <a:defPPr>
-              <a:defRPr lang="it-IT"/>
-            </a:defPPr>
-          </a:lstStyle>
-          <a:p>
-            <a:pPr rtl="0"/>
-            <a:endParaRPr lang="it-IT" dirty="0">
-              <a:noFill/>
-            </a:endParaRPr>
+          <a:bodyPr wrap="square" rtlCol="0">
+            <a:spAutoFit/>
+          </a:bodyPr>
+          <a:lstStyle/>
+          <a:p>
+            <a:pPr marL="285750" indent="-285750">
+              <a:buFont typeface="Arial" panose="020B0604020202020204" pitchFamily="34" charset="0"/>
+              <a:buChar char="•"/>
+            </a:pPr>
+            <a:r>
+              <a:rPr lang="it-IT" dirty="0" err="1"/>
+              <a:t>Nadaraya-Watston</a:t>
+            </a:r>
+            <a:r>
+              <a:rPr lang="it-IT" dirty="0"/>
+              <a:t> Kernel </a:t>
+            </a:r>
+            <a:r>
+              <a:rPr lang="it-IT" dirty="0" err="1"/>
+              <a:t>Regression</a:t>
+            </a:r>
+            <a:endParaRPr lang="it-IT" dirty="0"/>
+          </a:p>
+        </p:txBody>
+      </p:sp>
+      <p:sp>
+        <p:nvSpPr>
+          <p:cNvPr id="10" name="CasellaDiTesto 9">
+            <a:extLst>
+              <a:ext uri="{FF2B5EF4-FFF2-40B4-BE49-F238E27FC236}">
+                <a16:creationId xmlns:a16="http://schemas.microsoft.com/office/drawing/2014/main" id="{0CD95654-0F8A-E0E8-2797-DA59679ECF92}"/>
+              </a:ext>
+            </a:extLst>
+          </p:cNvPr>
+          <p:cNvSpPr txBox="1"/>
+          <p:nvPr/>
+        </p:nvSpPr>
+        <p:spPr>
+          <a:xfrm>
+            <a:off x="5218921" y="1676851"/>
+            <a:ext cx="3949587" cy="369332"/>
+          </a:xfrm>
+          <a:prstGeom prst="rect">
+            <a:avLst/>
+          </a:prstGeom>
+          <a:noFill/>
+        </p:spPr>
+        <p:txBody>
+          <a:bodyPr wrap="square" rtlCol="0">
+            <a:spAutoFit/>
+          </a:bodyPr>
+          <a:lstStyle/>
+          <a:p>
+            <a:pPr marL="285750" indent="-285750">
+              <a:buFont typeface="Arial" panose="020B0604020202020204" pitchFamily="34" charset="0"/>
+              <a:buChar char="•"/>
+            </a:pPr>
+            <a:r>
+              <a:rPr lang="it-IT" dirty="0"/>
+              <a:t>KNN </a:t>
+            </a:r>
+            <a:r>
+              <a:rPr lang="it-IT" dirty="0" err="1"/>
+              <a:t>Regression</a:t>
+            </a:r>
+            <a:endParaRPr lang="it-IT" dirty="0"/>
           </a:p>
         </p:txBody>
       </p:sp>
       <p:pic>
         <p:nvPicPr>
-          <p:cNvPr id="21" name="Elemento grafico 20" descr="Disco con riempimento a tinta unita">
-            <a:extLst>
-              <a:ext uri="{FF2B5EF4-FFF2-40B4-BE49-F238E27FC236}">
-                <a16:creationId xmlns:a16="http://schemas.microsoft.com/office/drawing/2014/main" id="{C3ED605D-39DC-C93E-1C9C-0C3220064411}"/>
+          <p:cNvPr id="11" name="Elemento grafico 10" descr="Aspirazione con riempimento a tinta unita">
+            <a:extLst>
+              <a:ext uri="{FF2B5EF4-FFF2-40B4-BE49-F238E27FC236}">
+                <a16:creationId xmlns:a16="http://schemas.microsoft.com/office/drawing/2014/main" id="{D464E4E9-ED2B-36B6-B86E-C8ABE7EA381B}"/>
               </a:ext>
             </a:extLst>
           </p:cNvPr>
@@ -29308,7 +29234,237 @@
         </p:blipFill>
         <p:spPr>
           <a:xfrm>
-            <a:off x="1806281" y="793971"/>
+            <a:off x="1861781" y="841193"/>
+            <a:ext cx="485073" cy="485073"/>
+          </a:xfrm>
+          <a:prstGeom prst="rect">
+            <a:avLst/>
+          </a:prstGeom>
+        </p:spPr>
+      </p:pic>
+      <p:pic>
+        <p:nvPicPr>
+          <p:cNvPr id="12" name="Immagine 11">
+            <a:extLst>
+              <a:ext uri="{FF2B5EF4-FFF2-40B4-BE49-F238E27FC236}">
+                <a16:creationId xmlns:a16="http://schemas.microsoft.com/office/drawing/2014/main" id="{A4438E2F-30F5-AA7D-1F3C-E7F15AC97DCB}"/>
+              </a:ext>
+            </a:extLst>
+          </p:cNvPr>
+          <p:cNvPicPr>
+            <a:picLocks noChangeAspect="1"/>
+          </p:cNvPicPr>
+          <p:nvPr/>
+        </p:nvPicPr>
+        <p:blipFill>
+          <a:blip r:embed="rId5"/>
+          <a:stretch>
+            <a:fillRect/>
+          </a:stretch>
+        </p:blipFill>
+        <p:spPr>
+          <a:xfrm>
+            <a:off x="5218920" y="2491274"/>
+            <a:ext cx="3869095" cy="3834882"/>
+          </a:xfrm>
+          <a:prstGeom prst="rect">
+            <a:avLst/>
+          </a:prstGeom>
+          <a:ln>
+            <a:noFill/>
+          </a:ln>
+          <a:effectLst>
+            <a:outerShdw blurRad="190500" algn="tl" rotWithShape="0">
+              <a:srgbClr val="000000">
+                <a:alpha val="70000"/>
+              </a:srgbClr>
+            </a:outerShdw>
+          </a:effectLst>
+        </p:spPr>
+      </p:pic>
+    </p:spTree>
+    <p:extLst>
+      <p:ext uri="{BB962C8B-B14F-4D97-AF65-F5344CB8AC3E}">
+        <p14:creationId xmlns:p14="http://schemas.microsoft.com/office/powerpoint/2010/main" val="3603528776"/>
+      </p:ext>
+    </p:extLst>
+  </p:cSld>
+  <p:clrMapOvr>
+    <a:masterClrMapping/>
+  </p:clrMapOvr>
+</p:sld>
+</file>
+
+<file path=ppt/slides/slide22.xml><?xml version="1.0" encoding="utf-8"?>
+<p:sld xmlns:a="http://schemas.openxmlformats.org/drawingml/2006/main" xmlns:r="http://schemas.openxmlformats.org/officeDocument/2006/relationships" xmlns:p="http://schemas.openxmlformats.org/presentationml/2006/main">
+  <p:cSld>
+    <p:spTree>
+      <p:nvGrpSpPr>
+        <p:cNvPr id="1" name=""/>
+        <p:cNvGrpSpPr/>
+        <p:nvPr/>
+      </p:nvGrpSpPr>
+      <p:grpSpPr>
+        <a:xfrm>
+          <a:off x="0" y="0"/>
+          <a:ext cx="0" cy="0"/>
+          <a:chOff x="0" y="0"/>
+          <a:chExt cx="0" cy="0"/>
+        </a:xfrm>
+      </p:grpSpPr>
+      <p:sp>
+        <p:nvSpPr>
+          <p:cNvPr id="2" name="Titolo 1">
+            <a:extLst>
+              <a:ext uri="{FF2B5EF4-FFF2-40B4-BE49-F238E27FC236}">
+                <a16:creationId xmlns:a16="http://schemas.microsoft.com/office/drawing/2014/main" id="{481A5DB0-1022-5B85-BD91-D8F34D2473D4}"/>
+              </a:ext>
+            </a:extLst>
+          </p:cNvPr>
+          <p:cNvSpPr>
+            <a:spLocks noGrp="1"/>
+          </p:cNvSpPr>
+          <p:nvPr>
+            <p:ph type="title"/>
+          </p:nvPr>
+        </p:nvSpPr>
+        <p:spPr/>
+        <p:txBody>
+          <a:bodyPr/>
+          <a:lstStyle/>
+          <a:p>
+            <a:r>
+              <a:rPr lang="it-IT" dirty="0"/>
+              <a:t>LOOCV</a:t>
+            </a:r>
+          </a:p>
+        </p:txBody>
+      </p:sp>
+      <p:sp>
+        <p:nvSpPr>
+          <p:cNvPr id="4" name="Segnaposto testo 3">
+            <a:extLst>
+              <a:ext uri="{FF2B5EF4-FFF2-40B4-BE49-F238E27FC236}">
+                <a16:creationId xmlns:a16="http://schemas.microsoft.com/office/drawing/2014/main" id="{9BDE952A-FFD7-D709-566A-33D16110C798}"/>
+              </a:ext>
+            </a:extLst>
+          </p:cNvPr>
+          <p:cNvSpPr>
+            <a:spLocks noGrp="1"/>
+          </p:cNvSpPr>
+          <p:nvPr>
+            <p:ph type="body" sz="quarter" idx="13"/>
+          </p:nvPr>
+        </p:nvSpPr>
+        <p:spPr/>
+        <p:txBody>
+          <a:bodyPr/>
+          <a:lstStyle/>
+          <a:p>
+            <a:endParaRPr lang="it-IT"/>
+          </a:p>
+        </p:txBody>
+      </p:sp>
+      <p:sp>
+        <p:nvSpPr>
+          <p:cNvPr id="12" name="Rettangolo 11">
+            <a:extLst>
+              <a:ext uri="{FF2B5EF4-FFF2-40B4-BE49-F238E27FC236}">
+                <a16:creationId xmlns:a16="http://schemas.microsoft.com/office/drawing/2014/main" id="{1E4127C4-F4CA-65AC-9803-553A046055DD}"/>
+              </a:ext>
+            </a:extLst>
+          </p:cNvPr>
+          <p:cNvSpPr/>
+          <p:nvPr/>
+        </p:nvSpPr>
+        <p:spPr>
+          <a:xfrm>
+            <a:off x="1549067" y="5141169"/>
+            <a:ext cx="3274855" cy="858417"/>
+          </a:xfrm>
+          <a:prstGeom prst="rect">
+            <a:avLst/>
+          </a:prstGeom>
+          <a:solidFill>
+            <a:schemeClr val="bg2"/>
+          </a:solidFill>
+          <a:ln w="57150">
+            <a:solidFill>
+              <a:schemeClr val="accent3"/>
+            </a:solidFill>
+          </a:ln>
+        </p:spPr>
+        <p:style>
+          <a:lnRef idx="2">
+            <a:schemeClr val="accent6"/>
+          </a:lnRef>
+          <a:fillRef idx="1">
+            <a:schemeClr val="lt1"/>
+          </a:fillRef>
+          <a:effectRef idx="0">
+            <a:schemeClr val="accent6"/>
+          </a:effectRef>
+          <a:fontRef idx="minor">
+            <a:schemeClr val="dk1"/>
+          </a:fontRef>
+        </p:style>
+        <p:txBody>
+          <a:bodyPr rtlCol="0" anchor="ctr"/>
+          <a:lstStyle/>
+          <a:p>
+            <a:pPr algn="ctr"/>
+            <a:endParaRPr lang="it-IT">
+              <a:ln w="28575">
+                <a:solidFill>
+                  <a:schemeClr val="accent1"/>
+                </a:solidFill>
+              </a:ln>
+              <a:solidFill>
+                <a:schemeClr val="accent3">
+                  <a:lumMod val="60000"/>
+                  <a:lumOff val="40000"/>
+                </a:schemeClr>
+              </a:solidFill>
+              <a:effectLst>
+                <a:outerShdw blurRad="38100" dist="25400" dir="5400000" algn="ctr" rotWithShape="0">
+                  <a:srgbClr val="6E747A">
+                    <a:alpha val="43000"/>
+                  </a:srgbClr>
+                </a:outerShdw>
+              </a:effectLst>
+            </a:endParaRPr>
+          </a:p>
+        </p:txBody>
+      </p:sp>
+      <p:pic>
+        <p:nvPicPr>
+          <p:cNvPr id="13" name="Elemento grafico 12" descr="Disco con riempimento a tinta unita">
+            <a:extLst>
+              <a:ext uri="{FF2B5EF4-FFF2-40B4-BE49-F238E27FC236}">
+                <a16:creationId xmlns:a16="http://schemas.microsoft.com/office/drawing/2014/main" id="{004CC3BE-0353-9809-3B88-9091D9EFA621}"/>
+              </a:ext>
+            </a:extLst>
+          </p:cNvPr>
+          <p:cNvPicPr>
+            <a:picLocks noChangeAspect="1"/>
+          </p:cNvPicPr>
+          <p:nvPr/>
+        </p:nvPicPr>
+        <p:blipFill>
+          <a:blip r:embed="rId2">
+            <a:extLst>
+              <a:ext uri="{96DAC541-7B7A-43D3-8B79-37D633B846F1}">
+                <asvg:svgBlip xmlns:asvg="http://schemas.microsoft.com/office/drawing/2016/SVG/main" r:embed="rId3"/>
+              </a:ext>
+            </a:extLst>
+          </a:blip>
+          <a:stretch>
+            <a:fillRect/>
+          </a:stretch>
+        </p:blipFill>
+        <p:spPr>
+          <a:xfrm>
+            <a:off x="1750295" y="2053616"/>
             <a:ext cx="621792" cy="621792"/>
           </a:xfrm>
           <a:prstGeom prst="rect">
@@ -29316,12 +29472,144 @@
           </a:prstGeom>
         </p:spPr>
       </p:pic>
-      <p:sp>
-        <p:nvSpPr>
-          <p:cNvPr id="22" name="Rettangolo 21">
-            <a:extLst>
-              <a:ext uri="{FF2B5EF4-FFF2-40B4-BE49-F238E27FC236}">
-                <a16:creationId xmlns:a16="http://schemas.microsoft.com/office/drawing/2014/main" id="{23CB0CB8-62C3-AB0B-B94E-1E58F8057953}"/>
+      <p:pic>
+        <p:nvPicPr>
+          <p:cNvPr id="14" name="Immagine 13">
+            <a:extLst>
+              <a:ext uri="{FF2B5EF4-FFF2-40B4-BE49-F238E27FC236}">
+                <a16:creationId xmlns:a16="http://schemas.microsoft.com/office/drawing/2014/main" id="{07E26D7D-4F86-A61E-1617-621138FE0EE8}"/>
+              </a:ext>
+            </a:extLst>
+          </p:cNvPr>
+          <p:cNvPicPr>
+            <a:picLocks noChangeAspect="1"/>
+          </p:cNvPicPr>
+          <p:nvPr/>
+        </p:nvPicPr>
+        <p:blipFill>
+          <a:blip r:embed="rId4"/>
+          <a:stretch>
+            <a:fillRect/>
+          </a:stretch>
+        </p:blipFill>
+        <p:spPr>
+          <a:xfrm>
+            <a:off x="727788" y="1651291"/>
+            <a:ext cx="5161708" cy="3296196"/>
+          </a:xfrm>
+          <a:prstGeom prst="rect">
+            <a:avLst/>
+          </a:prstGeom>
+          <a:ln>
+            <a:solidFill>
+              <a:schemeClr val="accent3"/>
+            </a:solidFill>
+          </a:ln>
+        </p:spPr>
+      </p:pic>
+      <p:pic>
+        <p:nvPicPr>
+          <p:cNvPr id="15" name="Immagine 14">
+            <a:extLst>
+              <a:ext uri="{FF2B5EF4-FFF2-40B4-BE49-F238E27FC236}">
+                <a16:creationId xmlns:a16="http://schemas.microsoft.com/office/drawing/2014/main" id="{BA9D0A06-19C5-BCF1-0DA2-D84815457F21}"/>
+              </a:ext>
+            </a:extLst>
+          </p:cNvPr>
+          <p:cNvPicPr>
+            <a:picLocks noChangeAspect="1"/>
+          </p:cNvPicPr>
+          <p:nvPr/>
+        </p:nvPicPr>
+        <p:blipFill>
+          <a:blip r:embed="rId5"/>
+          <a:stretch>
+            <a:fillRect/>
+          </a:stretch>
+        </p:blipFill>
+        <p:spPr>
+          <a:xfrm>
+            <a:off x="6283267" y="1651291"/>
+            <a:ext cx="5176459" cy="3296196"/>
+          </a:xfrm>
+          <a:prstGeom prst="rect">
+            <a:avLst/>
+          </a:prstGeom>
+          <a:ln>
+            <a:solidFill>
+              <a:schemeClr val="accent3"/>
+            </a:solidFill>
+          </a:ln>
+        </p:spPr>
+      </p:pic>
+      <p:sp>
+        <p:nvSpPr>
+          <p:cNvPr id="16" name="CasellaDiTesto 15">
+            <a:extLst>
+              <a:ext uri="{FF2B5EF4-FFF2-40B4-BE49-F238E27FC236}">
+                <a16:creationId xmlns:a16="http://schemas.microsoft.com/office/drawing/2014/main" id="{FF9D3EB2-B8E0-44E6-E41A-E6D013B1885E}"/>
+              </a:ext>
+            </a:extLst>
+          </p:cNvPr>
+          <p:cNvSpPr txBox="1"/>
+          <p:nvPr/>
+        </p:nvSpPr>
+        <p:spPr>
+          <a:xfrm>
+            <a:off x="1852900" y="5253091"/>
+            <a:ext cx="2849724" cy="646331"/>
+          </a:xfrm>
+          <a:prstGeom prst="rect">
+            <a:avLst/>
+          </a:prstGeom>
+          <a:noFill/>
+        </p:spPr>
+        <p:txBody>
+          <a:bodyPr wrap="square">
+            <a:spAutoFit/>
+          </a:bodyPr>
+          <a:lstStyle>
+            <a:defPPr rtl="0">
+              <a:defRPr lang="it-IT"/>
+            </a:defPPr>
+            <a:lvl1pPr algn="ctr">
+              <a:defRPr/>
+            </a:lvl1pPr>
+          </a:lstStyle>
+          <a:p>
+            <a:pPr marL="285750" indent="-285750" algn="just">
+              <a:buFont typeface="Arial" panose="020B0604020202020204" pitchFamily="34" charset="0"/>
+              <a:buChar char="•"/>
+            </a:pPr>
+            <a:r>
+              <a:rPr lang="en-US" dirty="0"/>
+              <a:t> h = </a:t>
+            </a:r>
+            <a:r>
+              <a:rPr lang="it-IT" dirty="0"/>
+              <a:t>2.0408</a:t>
+            </a:r>
+            <a:endParaRPr lang="en-US" dirty="0"/>
+          </a:p>
+          <a:p>
+            <a:pPr marL="285750" indent="-285750" algn="just">
+              <a:buFont typeface="Arial" panose="020B0604020202020204" pitchFamily="34" charset="0"/>
+              <a:buChar char="•"/>
+            </a:pPr>
+            <a:r>
+              <a:rPr lang="it-IT" dirty="0"/>
+              <a:t> RMSE = 5.8674</a:t>
+            </a:r>
+            <a:endParaRPr lang="en-US" dirty="0"/>
+          </a:p>
+        </p:txBody>
+      </p:sp>
+      <p:sp>
+        <p:nvSpPr>
+          <p:cNvPr id="17" name="Rettangolo 16">
+            <a:extLst>
+              <a:ext uri="{FF2B5EF4-FFF2-40B4-BE49-F238E27FC236}">
+                <a16:creationId xmlns:a16="http://schemas.microsoft.com/office/drawing/2014/main" id="{CF104A93-1BB0-3AD0-56C2-2CBEF106C322}"/>
               </a:ext>
             </a:extLst>
           </p:cNvPr>
@@ -29330,8 +29618,273 @@
         </p:nvSpPr>
         <p:spPr>
           <a:xfrm>
-            <a:off x="723900" y="304800"/>
-            <a:ext cx="10848975" cy="1323975"/>
+            <a:off x="7474159" y="5141173"/>
+            <a:ext cx="3274855" cy="858417"/>
+          </a:xfrm>
+          <a:prstGeom prst="rect">
+            <a:avLst/>
+          </a:prstGeom>
+          <a:solidFill>
+            <a:schemeClr val="bg2"/>
+          </a:solidFill>
+          <a:ln w="57150">
+            <a:solidFill>
+              <a:schemeClr val="accent3"/>
+            </a:solidFill>
+          </a:ln>
+        </p:spPr>
+        <p:style>
+          <a:lnRef idx="2">
+            <a:schemeClr val="accent6"/>
+          </a:lnRef>
+          <a:fillRef idx="1">
+            <a:schemeClr val="lt1"/>
+          </a:fillRef>
+          <a:effectRef idx="0">
+            <a:schemeClr val="accent6"/>
+          </a:effectRef>
+          <a:fontRef idx="minor">
+            <a:schemeClr val="dk1"/>
+          </a:fontRef>
+        </p:style>
+        <p:txBody>
+          <a:bodyPr rtlCol="0" anchor="ctr"/>
+          <a:lstStyle/>
+          <a:p>
+            <a:pPr algn="ctr"/>
+            <a:endParaRPr lang="it-IT">
+              <a:ln w="28575">
+                <a:solidFill>
+                  <a:schemeClr val="accent1"/>
+                </a:solidFill>
+              </a:ln>
+              <a:solidFill>
+                <a:schemeClr val="accent1"/>
+              </a:solidFill>
+              <a:effectLst>
+                <a:outerShdw blurRad="38100" dist="25400" dir="5400000" algn="ctr" rotWithShape="0">
+                  <a:srgbClr val="6E747A">
+                    <a:alpha val="43000"/>
+                  </a:srgbClr>
+                </a:outerShdw>
+              </a:effectLst>
+            </a:endParaRPr>
+          </a:p>
+        </p:txBody>
+      </p:sp>
+      <p:sp>
+        <p:nvSpPr>
+          <p:cNvPr id="18" name="CasellaDiTesto 17">
+            <a:extLst>
+              <a:ext uri="{FF2B5EF4-FFF2-40B4-BE49-F238E27FC236}">
+                <a16:creationId xmlns:a16="http://schemas.microsoft.com/office/drawing/2014/main" id="{1BC873CB-86B5-7420-7183-F6A64E491907}"/>
+              </a:ext>
+            </a:extLst>
+          </p:cNvPr>
+          <p:cNvSpPr txBox="1"/>
+          <p:nvPr/>
+        </p:nvSpPr>
+        <p:spPr>
+          <a:xfrm>
+            <a:off x="7696860" y="5234429"/>
+            <a:ext cx="2849724" cy="646331"/>
+          </a:xfrm>
+          <a:prstGeom prst="rect">
+            <a:avLst/>
+          </a:prstGeom>
+          <a:noFill/>
+        </p:spPr>
+        <p:txBody>
+          <a:bodyPr wrap="square">
+            <a:spAutoFit/>
+          </a:bodyPr>
+          <a:lstStyle>
+            <a:defPPr rtl="0">
+              <a:defRPr lang="it-IT"/>
+            </a:defPPr>
+            <a:lvl1pPr algn="ctr">
+              <a:defRPr/>
+            </a:lvl1pPr>
+          </a:lstStyle>
+          <a:p>
+            <a:pPr marL="285750" indent="-285750" algn="just">
+              <a:buFont typeface="Arial" panose="020B0604020202020204" pitchFamily="34" charset="0"/>
+              <a:buChar char="•"/>
+            </a:pPr>
+            <a:r>
+              <a:rPr lang="en-US" dirty="0"/>
+              <a:t> K = </a:t>
+            </a:r>
+            <a:r>
+              <a:rPr lang="it-IT" dirty="0"/>
+              <a:t>2</a:t>
+            </a:r>
+            <a:endParaRPr lang="en-US" dirty="0"/>
+          </a:p>
+          <a:p>
+            <a:pPr marL="285750" indent="-285750" algn="just">
+              <a:buFont typeface="Arial" panose="020B0604020202020204" pitchFamily="34" charset="0"/>
+              <a:buChar char="•"/>
+            </a:pPr>
+            <a:r>
+              <a:rPr lang="it-IT" dirty="0"/>
+              <a:t> RMSE = 6.3303</a:t>
+            </a:r>
+            <a:endParaRPr lang="en-US" dirty="0"/>
+          </a:p>
+        </p:txBody>
+      </p:sp>
+      <p:pic>
+        <p:nvPicPr>
+          <p:cNvPr id="19" name="Elemento grafico 18" descr="Aspirazione con riempimento a tinta unita">
+            <a:extLst>
+              <a:ext uri="{FF2B5EF4-FFF2-40B4-BE49-F238E27FC236}">
+                <a16:creationId xmlns:a16="http://schemas.microsoft.com/office/drawing/2014/main" id="{276E95F8-CAF2-652A-D6EF-EC226524C08F}"/>
+              </a:ext>
+            </a:extLst>
+          </p:cNvPr>
+          <p:cNvPicPr>
+            <a:picLocks noChangeAspect="1"/>
+          </p:cNvPicPr>
+          <p:nvPr/>
+        </p:nvPicPr>
+        <p:blipFill>
+          <a:blip r:embed="rId6">
+            <a:extLst>
+              <a:ext uri="{96DAC541-7B7A-43D3-8B79-37D633B846F1}">
+                <asvg:svgBlip xmlns:asvg="http://schemas.microsoft.com/office/drawing/2016/SVG/main" r:embed="rId7"/>
+              </a:ext>
+            </a:extLst>
+          </a:blip>
+          <a:stretch>
+            <a:fillRect/>
+          </a:stretch>
+        </p:blipFill>
+        <p:spPr>
+          <a:xfrm>
+            <a:off x="1880282" y="862330"/>
+            <a:ext cx="485073" cy="485073"/>
+          </a:xfrm>
+          <a:prstGeom prst="rect">
+            <a:avLst/>
+          </a:prstGeom>
+        </p:spPr>
+      </p:pic>
+    </p:spTree>
+    <p:extLst>
+      <p:ext uri="{BB962C8B-B14F-4D97-AF65-F5344CB8AC3E}">
+        <p14:creationId xmlns:p14="http://schemas.microsoft.com/office/powerpoint/2010/main" val="3424866193"/>
+      </p:ext>
+    </p:extLst>
+  </p:cSld>
+  <p:clrMapOvr>
+    <a:masterClrMapping/>
+  </p:clrMapOvr>
+</p:sld>
+</file>
+
+<file path=ppt/slides/slide23.xml><?xml version="1.0" encoding="utf-8"?>
+<p:sld xmlns:a="http://schemas.openxmlformats.org/drawingml/2006/main" xmlns:r="http://schemas.openxmlformats.org/officeDocument/2006/relationships" xmlns:p="http://schemas.openxmlformats.org/presentationml/2006/main">
+  <p:cSld>
+    <p:spTree>
+      <p:nvGrpSpPr>
+        <p:cNvPr id="1" name=""/>
+        <p:cNvGrpSpPr/>
+        <p:nvPr/>
+      </p:nvGrpSpPr>
+      <p:grpSpPr>
+        <a:xfrm>
+          <a:off x="0" y="0"/>
+          <a:ext cx="0" cy="0"/>
+          <a:chOff x="0" y="0"/>
+          <a:chExt cx="0" cy="0"/>
+        </a:xfrm>
+      </p:grpSpPr>
+      <p:sp>
+        <p:nvSpPr>
+          <p:cNvPr id="20" name="Segnaposto testo 19">
+            <a:extLst>
+              <a:ext uri="{FF2B5EF4-FFF2-40B4-BE49-F238E27FC236}">
+                <a16:creationId xmlns:a16="http://schemas.microsoft.com/office/drawing/2014/main" id="{7D61BAD3-11BF-AA74-F4B3-2ABC02077200}"/>
+              </a:ext>
+            </a:extLst>
+          </p:cNvPr>
+          <p:cNvSpPr>
+            <a:spLocks noGrp="1"/>
+          </p:cNvSpPr>
+          <p:nvPr>
+            <p:ph type="body" sz="quarter" idx="13"/>
+          </p:nvPr>
+        </p:nvSpPr>
+        <p:spPr/>
+        <p:txBody>
+          <a:bodyPr rtlCol="0"/>
+          <a:lstStyle>
+            <a:defPPr>
+              <a:defRPr lang="it-IT"/>
+            </a:defPPr>
+          </a:lstStyle>
+          <a:p>
+            <a:pPr rtl="0"/>
+            <a:endParaRPr lang="it-IT" dirty="0"/>
+          </a:p>
+        </p:txBody>
+      </p:sp>
+      <p:sp>
+        <p:nvSpPr>
+          <p:cNvPr id="18" name="Titolo 23">
+            <a:extLst>
+              <a:ext uri="{FF2B5EF4-FFF2-40B4-BE49-F238E27FC236}">
+                <a16:creationId xmlns:a16="http://schemas.microsoft.com/office/drawing/2014/main" id="{862E377C-B484-3BAD-EE4F-5E2B06258AE5}"/>
+              </a:ext>
+            </a:extLst>
+          </p:cNvPr>
+          <p:cNvSpPr>
+            <a:spLocks noGrp="1"/>
+          </p:cNvSpPr>
+          <p:nvPr>
+            <p:ph type="title"/>
+          </p:nvPr>
+        </p:nvSpPr>
+        <p:spPr>
+          <a:xfrm>
+            <a:off x="2587811" y="722376"/>
+            <a:ext cx="8870656" cy="764982"/>
+          </a:xfrm>
+        </p:spPr>
+        <p:txBody>
+          <a:bodyPr rtlCol="0"/>
+          <a:lstStyle>
+            <a:defPPr>
+              <a:defRPr lang="it-IT"/>
+            </a:defPPr>
+          </a:lstStyle>
+          <a:p>
+            <a:pPr rtl="0"/>
+            <a:r>
+              <a:rPr lang="it-IT" dirty="0" err="1"/>
+              <a:t>Interpretation</a:t>
+            </a:r>
+            <a:endParaRPr lang="it-IT" dirty="0"/>
+          </a:p>
+        </p:txBody>
+      </p:sp>
+      <p:sp>
+        <p:nvSpPr>
+          <p:cNvPr id="22" name="Rettangolo 21">
+            <a:extLst>
+              <a:ext uri="{FF2B5EF4-FFF2-40B4-BE49-F238E27FC236}">
+                <a16:creationId xmlns:a16="http://schemas.microsoft.com/office/drawing/2014/main" id="{23CB0CB8-62C3-AB0B-B94E-1E58F8057953}"/>
+              </a:ext>
+            </a:extLst>
+          </p:cNvPr>
+          <p:cNvSpPr/>
+          <p:nvPr/>
+        </p:nvSpPr>
+        <p:spPr>
+          <a:xfrm flipV="1">
+            <a:off x="475861" y="1628775"/>
+            <a:ext cx="11131898" cy="397764"/>
           </a:xfrm>
           <a:prstGeom prst="rect">
             <a:avLst/>
@@ -29472,56 +30025,84 @@
           </a:p>
         </p:txBody>
       </p:sp>
-      <p:cxnSp>
-        <p:nvCxnSpPr>
-          <p:cNvPr id="14" name="Connettore 2 13">
-            <a:extLst>
-              <a:ext uri="{FF2B5EF4-FFF2-40B4-BE49-F238E27FC236}">
-                <a16:creationId xmlns:a16="http://schemas.microsoft.com/office/drawing/2014/main" id="{7C68D82A-27EB-710E-C1A3-B6774BB99C17}"/>
-              </a:ext>
-            </a:extLst>
-          </p:cNvPr>
-          <p:cNvCxnSpPr>
-            <a:cxnSpLocks/>
-          </p:cNvCxnSpPr>
+      <p:pic>
+        <p:nvPicPr>
+          <p:cNvPr id="4" name="Immagine 3">
+            <a:extLst>
+              <a:ext uri="{FF2B5EF4-FFF2-40B4-BE49-F238E27FC236}">
+                <a16:creationId xmlns:a16="http://schemas.microsoft.com/office/drawing/2014/main" id="{1F97317D-741E-9358-491E-AA560C0D0433}"/>
+              </a:ext>
+            </a:extLst>
+          </p:cNvPr>
+          <p:cNvPicPr>
+            <a:picLocks noChangeAspect="1"/>
+          </p:cNvPicPr>
           <p:nvPr/>
-        </p:nvCxnSpPr>
+        </p:nvPicPr>
+        <p:blipFill>
+          <a:blip r:embed="rId3"/>
+          <a:stretch>
+            <a:fillRect/>
+          </a:stretch>
+        </p:blipFill>
         <p:spPr>
-          <a:xfrm flipH="1">
-            <a:off x="2428073" y="5803641"/>
-            <a:ext cx="1748582" cy="0"/>
+          <a:xfrm>
+            <a:off x="3896610" y="4651971"/>
+            <a:ext cx="5654530" cy="932396"/>
           </a:xfrm>
-          <a:prstGeom prst="straightConnector1">
+          <a:prstGeom prst="rect">
             <a:avLst/>
           </a:prstGeom>
-          <a:ln w="12700">
-            <a:solidFill>
-              <a:srgbClr val="FFFF00"/>
-            </a:solidFill>
-            <a:tailEnd type="triangle"/>
-          </a:ln>
         </p:spPr>
-        <p:style>
-          <a:lnRef idx="1">
-            <a:schemeClr val="accent1"/>
-          </a:lnRef>
-          <a:fillRef idx="0">
-            <a:schemeClr val="accent1"/>
-          </a:fillRef>
-          <a:effectRef idx="0">
-            <a:schemeClr val="accent1"/>
-          </a:effectRef>
-          <a:fontRef idx="minor">
-            <a:schemeClr val="tx1"/>
-          </a:fontRef>
-        </p:style>
-      </p:cxnSp>
+      </p:pic>
       <p:pic>
         <p:nvPicPr>
-          <p:cNvPr id="3" name="Immagine 2">
-            <a:extLst>
-              <a:ext uri="{FF2B5EF4-FFF2-40B4-BE49-F238E27FC236}">
-                <a16:creationId xmlns:a16="http://schemas.microsoft.com/office/drawing/2014/main" id="{A559B656-94D4-34D1-BAEB-03F3C6F5025E}"/>
+          <p:cNvPr id="7" name="Immagine 6">
+            <a:extLst>
+              <a:ext uri="{FF2B5EF4-FFF2-40B4-BE49-F238E27FC236}">
+                <a16:creationId xmlns:a16="http://schemas.microsoft.com/office/drawing/2014/main" id="{F50DCA00-4124-9216-F53A-81930AE186B8}"/>
+              </a:ext>
+            </a:extLst>
+          </p:cNvPr>
+          <p:cNvPicPr>
+            <a:picLocks noChangeAspect="1"/>
+          </p:cNvPicPr>
+          <p:nvPr/>
+        </p:nvPicPr>
+        <p:blipFill>
+          <a:blip r:embed="rId4"/>
+          <a:stretch>
+            <a:fillRect/>
+          </a:stretch>
+        </p:blipFill>
+        <p:spPr>
+          <a:xfrm>
+            <a:off x="3560798" y="4144898"/>
+            <a:ext cx="5654530" cy="1775614"/>
+          </a:xfrm>
+          <a:prstGeom prst="rect">
+            <a:avLst/>
+          </a:prstGeom>
+          <a:ln w="19050">
+            <a:solidFill>
+              <a:schemeClr val="tx1"/>
+            </a:solidFill>
+          </a:ln>
+          <a:effectLst>
+            <a:outerShdw blurRad="292100" dist="139700" dir="2700000" algn="tl" rotWithShape="0">
+              <a:srgbClr val="333333">
+                <a:alpha val="65000"/>
+              </a:srgbClr>
+            </a:outerShdw>
+          </a:effectLst>
+        </p:spPr>
+      </p:pic>
+      <p:pic>
+        <p:nvPicPr>
+          <p:cNvPr id="9" name="Immagine 8">
+            <a:extLst>
+              <a:ext uri="{FF2B5EF4-FFF2-40B4-BE49-F238E27FC236}">
+                <a16:creationId xmlns:a16="http://schemas.microsoft.com/office/drawing/2014/main" id="{AC02F56B-3918-D3E6-1EDF-B6BB07A1D045}"/>
               </a:ext>
             </a:extLst>
           </p:cNvPr>
@@ -29538,20 +30119,35 @@
         </p:blipFill>
         <p:spPr>
           <a:xfrm>
-            <a:off x="6195689" y="1708020"/>
-            <a:ext cx="5250635" cy="3429297"/>
+            <a:off x="8122934" y="1120140"/>
+            <a:ext cx="3898734" cy="5060478"/>
           </a:xfrm>
           <a:prstGeom prst="rect">
             <a:avLst/>
           </a:prstGeom>
+          <a:ln w="19050">
+            <a:solidFill>
+              <a:schemeClr val="tx1"/>
+            </a:solidFill>
+          </a:ln>
+          <a:effectLst>
+            <a:outerShdw blurRad="292100" dist="139700" dir="2700000" algn="tl" rotWithShape="0">
+              <a:srgbClr val="333333">
+                <a:alpha val="65000"/>
+              </a:srgbClr>
+            </a:outerShdw>
+          </a:effectLst>
         </p:spPr>
       </p:pic>
       <p:pic>
         <p:nvPicPr>
-          <p:cNvPr id="5" name="Immagine 4">
-            <a:extLst>
-              <a:ext uri="{FF2B5EF4-FFF2-40B4-BE49-F238E27FC236}">
-                <a16:creationId xmlns:a16="http://schemas.microsoft.com/office/drawing/2014/main" id="{48BE6611-048E-7BB6-9804-C008327A8145}"/>
+          <p:cNvPr id="8" name="Immagine 7">
+            <a:extLst>
+              <a:ext uri="{FF2B5EF4-FFF2-40B4-BE49-F238E27FC236}">
+                <a16:creationId xmlns:a16="http://schemas.microsoft.com/office/drawing/2014/main" id="{23634EB6-BBAE-ABBD-897B-A7FC19793806}"/>
+              </a:ext>
+              <a:ext uri="{C183D7F6-B498-43B3-948B-1728B52AA6E4}">
+                <adec:decorative xmlns:adec="http://schemas.microsoft.com/office/drawing/2017/decorative" val="0"/>
               </a:ext>
             </a:extLst>
           </p:cNvPr>
@@ -29561,175 +30157,10 @@
           <p:nvPr/>
         </p:nvPicPr>
         <p:blipFill>
-          <a:blip r:embed="rId6"/>
-          <a:stretch>
-            <a:fillRect/>
-          </a:stretch>
-        </p:blipFill>
-        <p:spPr>
-          <a:xfrm>
-            <a:off x="689016" y="709714"/>
-            <a:ext cx="5281118" cy="5425910"/>
-          </a:xfrm>
-          <a:prstGeom prst="rect">
-            <a:avLst/>
-          </a:prstGeom>
-        </p:spPr>
-      </p:pic>
-    </p:spTree>
-    <p:extLst>
-      <p:ext uri="{BB962C8B-B14F-4D97-AF65-F5344CB8AC3E}">
-        <p14:creationId xmlns:p14="http://schemas.microsoft.com/office/powerpoint/2010/main" val="2203167532"/>
-      </p:ext>
-    </p:extLst>
-  </p:cSld>
-  <p:clrMapOvr>
-    <a:masterClrMapping/>
-  </p:clrMapOvr>
-</p:sld>
-</file>
-
-<file path=ppt/slides/slide22.xml><?xml version="1.0" encoding="utf-8"?>
-<p:sld xmlns:a="http://schemas.openxmlformats.org/drawingml/2006/main" xmlns:r="http://schemas.openxmlformats.org/officeDocument/2006/relationships" xmlns:p="http://schemas.openxmlformats.org/presentationml/2006/main">
-  <p:cSld>
-    <p:spTree>
-      <p:nvGrpSpPr>
-        <p:cNvPr id="1" name=""/>
-        <p:cNvGrpSpPr/>
-        <p:nvPr/>
-      </p:nvGrpSpPr>
-      <p:grpSpPr>
-        <a:xfrm>
-          <a:off x="0" y="0"/>
-          <a:ext cx="0" cy="0"/>
-          <a:chOff x="0" y="0"/>
-          <a:chExt cx="0" cy="0"/>
-        </a:xfrm>
-      </p:grpSpPr>
-      <p:sp>
-        <p:nvSpPr>
-          <p:cNvPr id="20" name="Segnaposto testo 19">
-            <a:extLst>
-              <a:ext uri="{FF2B5EF4-FFF2-40B4-BE49-F238E27FC236}">
-                <a16:creationId xmlns:a16="http://schemas.microsoft.com/office/drawing/2014/main" id="{7D61BAD3-11BF-AA74-F4B3-2ABC02077200}"/>
-              </a:ext>
-            </a:extLst>
-          </p:cNvPr>
-          <p:cNvSpPr>
-            <a:spLocks noGrp="1"/>
-          </p:cNvSpPr>
-          <p:nvPr>
-            <p:ph type="body" sz="quarter" idx="13"/>
-          </p:nvPr>
-        </p:nvSpPr>
-        <p:spPr/>
-        <p:txBody>
-          <a:bodyPr rtlCol="0"/>
-          <a:lstStyle>
-            <a:defPPr>
-              <a:defRPr lang="it-IT"/>
-            </a:defPPr>
-          </a:lstStyle>
-          <a:p>
-            <a:pPr rtl="0"/>
-            <a:endParaRPr lang="it-IT" dirty="0"/>
-          </a:p>
-        </p:txBody>
-      </p:sp>
-      <p:sp>
-        <p:nvSpPr>
-          <p:cNvPr id="18" name="Titolo 23">
-            <a:extLst>
-              <a:ext uri="{FF2B5EF4-FFF2-40B4-BE49-F238E27FC236}">
-                <a16:creationId xmlns:a16="http://schemas.microsoft.com/office/drawing/2014/main" id="{862E377C-B484-3BAD-EE4F-5E2B06258AE5}"/>
-              </a:ext>
-            </a:extLst>
-          </p:cNvPr>
-          <p:cNvSpPr>
-            <a:spLocks noGrp="1"/>
-          </p:cNvSpPr>
-          <p:nvPr>
-            <p:ph type="title"/>
-          </p:nvPr>
-        </p:nvSpPr>
-        <p:spPr>
-          <a:xfrm>
-            <a:off x="2587811" y="722376"/>
-            <a:ext cx="8870656" cy="764982"/>
-          </a:xfrm>
-        </p:spPr>
-        <p:txBody>
-          <a:bodyPr rtlCol="0"/>
-          <a:lstStyle>
-            <a:defPPr>
-              <a:defRPr lang="it-IT"/>
-            </a:defPPr>
-          </a:lstStyle>
-          <a:p>
-            <a:pPr rtl="0"/>
-            <a:r>
-              <a:rPr lang="it-IT" dirty="0"/>
-              <a:t>Data Collection</a:t>
-            </a:r>
-          </a:p>
-        </p:txBody>
-      </p:sp>
-      <p:sp>
-        <p:nvSpPr>
-          <p:cNvPr id="19" name="Segnaposto numero diapositiva 4">
-            <a:extLst>
-              <a:ext uri="{FF2B5EF4-FFF2-40B4-BE49-F238E27FC236}">
-                <a16:creationId xmlns:a16="http://schemas.microsoft.com/office/drawing/2014/main" id="{9378F953-68EC-FBD7-8109-06573E4D49C1}"/>
-              </a:ext>
-            </a:extLst>
-          </p:cNvPr>
-          <p:cNvSpPr>
-            <a:spLocks noGrp="1"/>
-          </p:cNvSpPr>
-          <p:nvPr>
-            <p:ph type="sldNum" sz="quarter" idx="15"/>
-          </p:nvPr>
-        </p:nvSpPr>
-        <p:spPr>
-          <a:xfrm>
-            <a:off x="1642378" y="809244"/>
-            <a:ext cx="941832" cy="621792"/>
-          </a:xfrm>
-        </p:spPr>
-        <p:txBody>
-          <a:bodyPr rtlCol="0"/>
-          <a:lstStyle>
-            <a:defPPr>
-              <a:defRPr lang="it-IT"/>
-            </a:defPPr>
-          </a:lstStyle>
-          <a:p>
-            <a:pPr rtl="0"/>
-            <a:endParaRPr lang="it-IT" dirty="0">
-              <a:noFill/>
-            </a:endParaRPr>
-          </a:p>
-        </p:txBody>
-      </p:sp>
-      <p:pic>
-        <p:nvPicPr>
-          <p:cNvPr id="21" name="Elemento grafico 20" descr="Disco con riempimento a tinta unita">
-            <a:extLst>
-              <a:ext uri="{FF2B5EF4-FFF2-40B4-BE49-F238E27FC236}">
-                <a16:creationId xmlns:a16="http://schemas.microsoft.com/office/drawing/2014/main" id="{C3ED605D-39DC-C93E-1C9C-0C3220064411}"/>
-              </a:ext>
-            </a:extLst>
-          </p:cNvPr>
-          <p:cNvPicPr>
-            <a:picLocks noChangeAspect="1"/>
-          </p:cNvPicPr>
-          <p:nvPr/>
-        </p:nvPicPr>
-        <p:blipFill>
-          <a:blip r:embed="rId3">
-            <a:extLst>
-              <a:ext uri="{96DAC541-7B7A-43D3-8B79-37D633B846F1}">
-                <asvg:svgBlip xmlns:asvg="http://schemas.microsoft.com/office/drawing/2016/SVG/main" r:embed="rId4"/>
+          <a:blip r:embed="rId6">
+            <a:extLst>
+              <a:ext uri="{837473B0-CC2E-450A-ABE3-18F120FF3D39}">
+                <a1611:picAttrSrcUrl xmlns:a1611="http://schemas.microsoft.com/office/drawing/2016/11/main" r:id="rId7"/>
               </a:ext>
             </a:extLst>
           </a:blip>
@@ -29739,8 +30170,8 @@
         </p:blipFill>
         <p:spPr>
           <a:xfrm>
-            <a:off x="1806281" y="793971"/>
-            <a:ext cx="621792" cy="621792"/>
+            <a:off x="1844705" y="905985"/>
+            <a:ext cx="563994" cy="397764"/>
           </a:xfrm>
           <a:prstGeom prst="rect">
             <a:avLst/>
@@ -29749,637 +30180,227 @@
       </p:pic>
       <p:sp>
         <p:nvSpPr>
-          <p:cNvPr id="22" name="Rettangolo 21">
-            <a:extLst>
-              <a:ext uri="{FF2B5EF4-FFF2-40B4-BE49-F238E27FC236}">
-                <a16:creationId xmlns:a16="http://schemas.microsoft.com/office/drawing/2014/main" id="{23CB0CB8-62C3-AB0B-B94E-1E58F8057953}"/>
-              </a:ext>
-            </a:extLst>
-          </p:cNvPr>
-          <p:cNvSpPr/>
+          <p:cNvPr id="11" name="CasellaDiTesto 10">
+            <a:extLst>
+              <a:ext uri="{FF2B5EF4-FFF2-40B4-BE49-F238E27FC236}">
+                <a16:creationId xmlns:a16="http://schemas.microsoft.com/office/drawing/2014/main" id="{6C4FE247-283E-D133-3F4A-92979E342046}"/>
+              </a:ext>
+            </a:extLst>
+          </p:cNvPr>
+          <p:cNvSpPr txBox="1"/>
           <p:nvPr/>
         </p:nvSpPr>
         <p:spPr>
           <a:xfrm>
-            <a:off x="723900" y="304800"/>
-            <a:ext cx="10848975" cy="1323975"/>
+            <a:off x="681135" y="1931437"/>
+            <a:ext cx="7324530" cy="2031325"/>
           </a:xfrm>
           <a:prstGeom prst="rect">
             <a:avLst/>
           </a:prstGeom>
-          <a:solidFill>
-            <a:schemeClr val="bg2"/>
-          </a:solidFill>
-          <a:ln>
-            <a:noFill/>
-          </a:ln>
+          <a:noFill/>
         </p:spPr>
-        <p:style>
-          <a:lnRef idx="2">
-            <a:schemeClr val="accent1">
-              <a:shade val="15000"/>
-            </a:schemeClr>
-          </a:lnRef>
-          <a:fillRef idx="1">
-            <a:schemeClr val="accent1"/>
-          </a:fillRef>
-          <a:effectRef idx="0">
-            <a:schemeClr val="accent1"/>
-          </a:effectRef>
-          <a:fontRef idx="minor">
-            <a:schemeClr val="lt1"/>
-          </a:fontRef>
-        </p:style>
-        <p:txBody>
-          <a:bodyPr rtlCol="0" anchor="ctr"/>
+        <p:txBody>
+          <a:bodyPr wrap="square" rtlCol="0">
+            <a:spAutoFit/>
+          </a:bodyPr>
           <a:lstStyle/>
           <a:p>
-            <a:pPr algn="ctr"/>
-            <a:endParaRPr lang="it-IT"/>
-          </a:p>
-        </p:txBody>
-      </p:sp>
-      <p:sp>
-        <p:nvSpPr>
-          <p:cNvPr id="23" name="Rettangolo 22">
-            <a:extLst>
-              <a:ext uri="{FF2B5EF4-FFF2-40B4-BE49-F238E27FC236}">
-                <a16:creationId xmlns:a16="http://schemas.microsoft.com/office/drawing/2014/main" id="{576778A4-88F0-96BE-01C0-43A2A6688862}"/>
-              </a:ext>
-            </a:extLst>
-          </p:cNvPr>
-          <p:cNvSpPr/>
-          <p:nvPr/>
-        </p:nvSpPr>
-        <p:spPr>
-          <a:xfrm>
-            <a:off x="10389260" y="238125"/>
-            <a:ext cx="499719" cy="1390650"/>
-          </a:xfrm>
-          <a:prstGeom prst="rect">
-            <a:avLst/>
-          </a:prstGeom>
-          <a:solidFill>
-            <a:schemeClr val="accent3"/>
-          </a:solidFill>
-          <a:ln>
-            <a:noFill/>
-          </a:ln>
-        </p:spPr>
-        <p:style>
-          <a:lnRef idx="2">
-            <a:schemeClr val="accent1">
-              <a:shade val="15000"/>
-            </a:schemeClr>
-          </a:lnRef>
-          <a:fillRef idx="1">
-            <a:schemeClr val="accent1"/>
-          </a:fillRef>
-          <a:effectRef idx="0">
-            <a:schemeClr val="accent1"/>
-          </a:effectRef>
-          <a:fontRef idx="minor">
-            <a:schemeClr val="lt1"/>
-          </a:fontRef>
-        </p:style>
-        <p:txBody>
-          <a:bodyPr rtlCol="0" anchor="ctr"/>
-          <a:lstStyle/>
-          <a:p>
-            <a:pPr algn="ctr"/>
-            <a:endParaRPr lang="it-IT"/>
-          </a:p>
-        </p:txBody>
-      </p:sp>
-      <p:sp>
-        <p:nvSpPr>
-          <p:cNvPr id="24" name="Rettangolo 23">
-            <a:extLst>
-              <a:ext uri="{FF2B5EF4-FFF2-40B4-BE49-F238E27FC236}">
-                <a16:creationId xmlns:a16="http://schemas.microsoft.com/office/drawing/2014/main" id="{A287B9F5-5620-FCE5-B68B-42CBB7907EDD}"/>
-              </a:ext>
-            </a:extLst>
-          </p:cNvPr>
-          <p:cNvSpPr/>
-          <p:nvPr/>
-        </p:nvSpPr>
-        <p:spPr>
-          <a:xfrm>
-            <a:off x="11108040" y="238125"/>
-            <a:ext cx="499719" cy="1390650"/>
-          </a:xfrm>
-          <a:prstGeom prst="rect">
-            <a:avLst/>
-          </a:prstGeom>
-          <a:solidFill>
-            <a:schemeClr val="accent3"/>
-          </a:solidFill>
-          <a:ln>
-            <a:noFill/>
-          </a:ln>
-        </p:spPr>
-        <p:style>
-          <a:lnRef idx="2">
-            <a:schemeClr val="accent1">
-              <a:shade val="15000"/>
-            </a:schemeClr>
-          </a:lnRef>
-          <a:fillRef idx="1">
-            <a:schemeClr val="accent1"/>
-          </a:fillRef>
-          <a:effectRef idx="0">
-            <a:schemeClr val="accent1"/>
-          </a:effectRef>
-          <a:fontRef idx="minor">
-            <a:schemeClr val="lt1"/>
-          </a:fontRef>
-        </p:style>
-        <p:txBody>
-          <a:bodyPr rtlCol="0" anchor="ctr"/>
-          <a:lstStyle/>
-          <a:p>
-            <a:pPr algn="ctr"/>
-            <a:endParaRPr lang="it-IT"/>
-          </a:p>
-        </p:txBody>
-      </p:sp>
-      <p:pic>
-        <p:nvPicPr>
-          <p:cNvPr id="3" name="Immagine 2">
-            <a:extLst>
-              <a:ext uri="{FF2B5EF4-FFF2-40B4-BE49-F238E27FC236}">
-                <a16:creationId xmlns:a16="http://schemas.microsoft.com/office/drawing/2014/main" id="{004DF0FC-D9BC-2788-AB1C-ACA8D54ECDFF}"/>
-              </a:ext>
-            </a:extLst>
-          </p:cNvPr>
-          <p:cNvPicPr>
-            <a:picLocks noChangeAspect="1"/>
-          </p:cNvPicPr>
-          <p:nvPr/>
-        </p:nvPicPr>
-        <p:blipFill>
-          <a:blip r:embed="rId5"/>
-          <a:stretch>
-            <a:fillRect/>
-          </a:stretch>
-        </p:blipFill>
-        <p:spPr>
-          <a:xfrm>
-            <a:off x="338177" y="1585964"/>
-            <a:ext cx="5445590" cy="3296196"/>
-          </a:xfrm>
-          <a:prstGeom prst="rect">
-            <a:avLst/>
-          </a:prstGeom>
-        </p:spPr>
-      </p:pic>
-      <p:pic>
-        <p:nvPicPr>
-          <p:cNvPr id="5" name="Immagine 4">
-            <a:extLst>
-              <a:ext uri="{FF2B5EF4-FFF2-40B4-BE49-F238E27FC236}">
-                <a16:creationId xmlns:a16="http://schemas.microsoft.com/office/drawing/2014/main" id="{A025A9D2-AE48-F9E1-FA60-195F955B0CDA}"/>
-              </a:ext>
-            </a:extLst>
-          </p:cNvPr>
-          <p:cNvPicPr>
-            <a:picLocks noChangeAspect="1"/>
-          </p:cNvPicPr>
-          <p:nvPr/>
-        </p:nvPicPr>
-        <p:blipFill>
-          <a:blip r:embed="rId6"/>
-          <a:stretch>
-            <a:fillRect/>
-          </a:stretch>
-        </p:blipFill>
-        <p:spPr>
-          <a:xfrm>
-            <a:off x="6320598" y="1580509"/>
-            <a:ext cx="5445590" cy="3296196"/>
-          </a:xfrm>
-          <a:prstGeom prst="rect">
-            <a:avLst/>
-          </a:prstGeom>
-        </p:spPr>
-      </p:pic>
-    </p:spTree>
-    <p:extLst>
-      <p:ext uri="{BB962C8B-B14F-4D97-AF65-F5344CB8AC3E}">
-        <p14:creationId xmlns:p14="http://schemas.microsoft.com/office/powerpoint/2010/main" val="1218124469"/>
-      </p:ext>
-    </p:extLst>
-  </p:cSld>
-  <p:clrMapOvr>
-    <a:masterClrMapping/>
-  </p:clrMapOvr>
-</p:sld>
-</file>
-
-<file path=ppt/slides/slide23.xml><?xml version="1.0" encoding="utf-8"?>
-<p:sld xmlns:a="http://schemas.openxmlformats.org/drawingml/2006/main" xmlns:r="http://schemas.openxmlformats.org/officeDocument/2006/relationships" xmlns:p="http://schemas.openxmlformats.org/presentationml/2006/main">
-  <p:cSld>
-    <p:spTree>
-      <p:nvGrpSpPr>
-        <p:cNvPr id="1" name=""/>
-        <p:cNvGrpSpPr/>
-        <p:nvPr/>
-      </p:nvGrpSpPr>
-      <p:grpSpPr>
-        <a:xfrm>
-          <a:off x="0" y="0"/>
-          <a:ext cx="0" cy="0"/>
-          <a:chOff x="0" y="0"/>
-          <a:chExt cx="0" cy="0"/>
-        </a:xfrm>
-      </p:grpSpPr>
-      <p:sp>
-        <p:nvSpPr>
-          <p:cNvPr id="20" name="Segnaposto testo 19">
-            <a:extLst>
-              <a:ext uri="{FF2B5EF4-FFF2-40B4-BE49-F238E27FC236}">
-                <a16:creationId xmlns:a16="http://schemas.microsoft.com/office/drawing/2014/main" id="{7D61BAD3-11BF-AA74-F4B3-2ABC02077200}"/>
-              </a:ext>
-            </a:extLst>
-          </p:cNvPr>
-          <p:cNvSpPr>
-            <a:spLocks noGrp="1"/>
-          </p:cNvSpPr>
-          <p:nvPr>
-            <p:ph type="body" sz="quarter" idx="13"/>
-          </p:nvPr>
-        </p:nvSpPr>
-        <p:spPr/>
-        <p:txBody>
-          <a:bodyPr rtlCol="0"/>
-          <a:lstStyle>
-            <a:defPPr>
-              <a:defRPr lang="it-IT"/>
-            </a:defPPr>
-          </a:lstStyle>
-          <a:p>
-            <a:pPr rtl="0"/>
+            <a:r>
+              <a:rPr lang="it-IT" dirty="0"/>
+              <a:t>By </a:t>
+            </a:r>
+            <a:r>
+              <a:rPr lang="it-IT" dirty="0" err="1"/>
+              <a:t>looking</a:t>
+            </a:r>
+            <a:r>
+              <a:rPr lang="it-IT" dirty="0"/>
+              <a:t> </a:t>
+            </a:r>
+            <a:r>
+              <a:rPr lang="it-IT" dirty="0" err="1"/>
+              <a:t>at</a:t>
+            </a:r>
+            <a:r>
+              <a:rPr lang="it-IT" dirty="0"/>
+              <a:t> a </a:t>
+            </a:r>
+            <a:r>
+              <a:rPr lang="it-IT" dirty="0" err="1"/>
+              <a:t>sensitivitity</a:t>
+            </a:r>
+            <a:r>
+              <a:rPr lang="it-IT" dirty="0"/>
+              <a:t> </a:t>
+            </a:r>
+            <a:r>
+              <a:rPr lang="it-IT" dirty="0" err="1"/>
+              <a:t>metric</a:t>
+            </a:r>
+            <a:r>
+              <a:rPr lang="it-IT" dirty="0"/>
+              <a:t>, </a:t>
+            </a:r>
+            <a:r>
+              <a:rPr lang="it-IT" dirty="0" err="1"/>
+              <a:t>we</a:t>
+            </a:r>
+            <a:r>
+              <a:rPr lang="it-IT" dirty="0"/>
+              <a:t> </a:t>
+            </a:r>
+            <a:r>
+              <a:rPr lang="it-IT" dirty="0" err="1"/>
+              <a:t>notice</a:t>
+            </a:r>
+            <a:r>
+              <a:rPr lang="it-IT" dirty="0"/>
+              <a:t> </a:t>
+            </a:r>
+            <a:r>
+              <a:rPr lang="it-IT" dirty="0" err="1"/>
+              <a:t>that</a:t>
+            </a:r>
+            <a:r>
+              <a:rPr lang="it-IT" dirty="0"/>
+              <a:t> the model </a:t>
+            </a:r>
+            <a:r>
+              <a:rPr lang="it-IT" dirty="0" err="1"/>
+              <a:t>performs</a:t>
+            </a:r>
+            <a:r>
+              <a:rPr lang="it-IT" dirty="0"/>
+              <a:t> </a:t>
+            </a:r>
+            <a:r>
+              <a:rPr lang="it-IT" dirty="0" err="1"/>
+              <a:t>better</a:t>
+            </a:r>
+            <a:r>
+              <a:rPr lang="it-IT" dirty="0"/>
+              <a:t> </a:t>
+            </a:r>
+            <a:r>
+              <a:rPr lang="it-IT" dirty="0" err="1"/>
+              <a:t>at</a:t>
+            </a:r>
+            <a:r>
+              <a:rPr lang="it-IT" dirty="0"/>
+              <a:t> </a:t>
+            </a:r>
+            <a:r>
+              <a:rPr lang="it-IT" dirty="0" err="1">
+                <a:solidFill>
+                  <a:schemeClr val="accent2"/>
+                </a:solidFill>
+              </a:rPr>
+              <a:t>lower</a:t>
+            </a:r>
+            <a:r>
+              <a:rPr lang="it-IT" dirty="0">
+                <a:solidFill>
+                  <a:schemeClr val="accent2"/>
+                </a:solidFill>
+              </a:rPr>
+              <a:t> </a:t>
+            </a:r>
+            <a:r>
+              <a:rPr lang="it-IT" dirty="0" err="1">
+                <a:solidFill>
+                  <a:schemeClr val="accent2"/>
+                </a:solidFill>
+              </a:rPr>
+              <a:t>temperatures</a:t>
+            </a:r>
+            <a:r>
+              <a:rPr lang="it-IT" dirty="0"/>
+              <a:t>. </a:t>
+            </a:r>
+          </a:p>
+          <a:p>
             <a:endParaRPr lang="it-IT" dirty="0"/>
           </a:p>
-        </p:txBody>
-      </p:sp>
-      <p:sp>
-        <p:nvSpPr>
-          <p:cNvPr id="18" name="Titolo 23">
-            <a:extLst>
-              <a:ext uri="{FF2B5EF4-FFF2-40B4-BE49-F238E27FC236}">
-                <a16:creationId xmlns:a16="http://schemas.microsoft.com/office/drawing/2014/main" id="{862E377C-B484-3BAD-EE4F-5E2B06258AE5}"/>
-              </a:ext>
-            </a:extLst>
-          </p:cNvPr>
-          <p:cNvSpPr>
-            <a:spLocks noGrp="1"/>
-          </p:cNvSpPr>
-          <p:nvPr>
-            <p:ph type="title"/>
-          </p:nvPr>
-        </p:nvSpPr>
-        <p:spPr>
-          <a:xfrm>
-            <a:off x="2587811" y="722376"/>
-            <a:ext cx="8870656" cy="764982"/>
-          </a:xfrm>
-        </p:spPr>
-        <p:txBody>
-          <a:bodyPr rtlCol="0"/>
-          <a:lstStyle>
-            <a:defPPr>
-              <a:defRPr lang="it-IT"/>
-            </a:defPPr>
-          </a:lstStyle>
-          <a:p>
-            <a:pPr rtl="0"/>
+          <a:p>
+            <a:endParaRPr lang="it-IT" dirty="0"/>
+          </a:p>
+          <a:p>
+            <a:r>
+              <a:rPr lang="it-IT" dirty="0" err="1"/>
+              <a:t>Visually</a:t>
+            </a:r>
             <a:r>
               <a:rPr lang="it-IT" dirty="0"/>
-              <a:t>Data Collection</a:t>
-            </a:r>
-          </a:p>
-        </p:txBody>
-      </p:sp>
-      <p:sp>
-        <p:nvSpPr>
-          <p:cNvPr id="19" name="Segnaposto numero diapositiva 4">
-            <a:extLst>
-              <a:ext uri="{FF2B5EF4-FFF2-40B4-BE49-F238E27FC236}">
-                <a16:creationId xmlns:a16="http://schemas.microsoft.com/office/drawing/2014/main" id="{9378F953-68EC-FBD7-8109-06573E4D49C1}"/>
-              </a:ext>
-            </a:extLst>
-          </p:cNvPr>
-          <p:cNvSpPr>
-            <a:spLocks noGrp="1"/>
-          </p:cNvSpPr>
-          <p:nvPr>
-            <p:ph type="sldNum" sz="quarter" idx="15"/>
-          </p:nvPr>
-        </p:nvSpPr>
-        <p:spPr>
-          <a:xfrm>
-            <a:off x="1642378" y="809244"/>
-            <a:ext cx="941832" cy="621792"/>
-          </a:xfrm>
-        </p:spPr>
-        <p:txBody>
-          <a:bodyPr rtlCol="0"/>
-          <a:lstStyle>
-            <a:defPPr>
-              <a:defRPr lang="it-IT"/>
-            </a:defPPr>
-          </a:lstStyle>
-          <a:p>
-            <a:pPr rtl="0"/>
-            <a:endParaRPr lang="it-IT" dirty="0">
-              <a:noFill/>
-            </a:endParaRPr>
-          </a:p>
-        </p:txBody>
-      </p:sp>
-      <p:pic>
-        <p:nvPicPr>
-          <p:cNvPr id="21" name="Elemento grafico 20" descr="Disco con riempimento a tinta unita">
-            <a:extLst>
-              <a:ext uri="{FF2B5EF4-FFF2-40B4-BE49-F238E27FC236}">
-                <a16:creationId xmlns:a16="http://schemas.microsoft.com/office/drawing/2014/main" id="{C3ED605D-39DC-C93E-1C9C-0C3220064411}"/>
-              </a:ext>
-            </a:extLst>
-          </p:cNvPr>
-          <p:cNvPicPr>
-            <a:picLocks noChangeAspect="1"/>
-          </p:cNvPicPr>
-          <p:nvPr/>
-        </p:nvPicPr>
-        <p:blipFill>
-          <a:blip r:embed="rId3">
-            <a:extLst>
-              <a:ext uri="{96DAC541-7B7A-43D3-8B79-37D633B846F1}">
-                <asvg:svgBlip xmlns:asvg="http://schemas.microsoft.com/office/drawing/2016/SVG/main" r:embed="rId4"/>
-              </a:ext>
-            </a:extLst>
-          </a:blip>
-          <a:stretch>
-            <a:fillRect/>
-          </a:stretch>
-        </p:blipFill>
-        <p:spPr>
-          <a:xfrm>
-            <a:off x="1806281" y="793971"/>
-            <a:ext cx="621792" cy="621792"/>
-          </a:xfrm>
-          <a:prstGeom prst="rect">
-            <a:avLst/>
-          </a:prstGeom>
-        </p:spPr>
-      </p:pic>
-      <p:sp>
-        <p:nvSpPr>
-          <p:cNvPr id="22" name="Rettangolo 21">
-            <a:extLst>
-              <a:ext uri="{FF2B5EF4-FFF2-40B4-BE49-F238E27FC236}">
-                <a16:creationId xmlns:a16="http://schemas.microsoft.com/office/drawing/2014/main" id="{23CB0CB8-62C3-AB0B-B94E-1E58F8057953}"/>
-              </a:ext>
-            </a:extLst>
-          </p:cNvPr>
-          <p:cNvSpPr/>
-          <p:nvPr/>
-        </p:nvSpPr>
-        <p:spPr>
-          <a:xfrm>
-            <a:off x="723900" y="304800"/>
-            <a:ext cx="10848975" cy="1323975"/>
-          </a:xfrm>
-          <a:prstGeom prst="rect">
-            <a:avLst/>
-          </a:prstGeom>
-          <a:solidFill>
-            <a:schemeClr val="bg2"/>
-          </a:solidFill>
-          <a:ln>
-            <a:noFill/>
-          </a:ln>
-        </p:spPr>
-        <p:style>
-          <a:lnRef idx="2">
-            <a:schemeClr val="accent1">
-              <a:shade val="15000"/>
-            </a:schemeClr>
-          </a:lnRef>
-          <a:fillRef idx="1">
-            <a:schemeClr val="accent1"/>
-          </a:fillRef>
-          <a:effectRef idx="0">
-            <a:schemeClr val="accent1"/>
-          </a:effectRef>
-          <a:fontRef idx="minor">
-            <a:schemeClr val="lt1"/>
-          </a:fontRef>
-        </p:style>
-        <p:txBody>
-          <a:bodyPr rtlCol="0" anchor="ctr"/>
-          <a:lstStyle/>
-          <a:p>
-            <a:pPr algn="ctr"/>
-            <a:endParaRPr lang="it-IT"/>
-          </a:p>
-        </p:txBody>
-      </p:sp>
-      <p:sp>
-        <p:nvSpPr>
-          <p:cNvPr id="23" name="Rettangolo 22">
-            <a:extLst>
-              <a:ext uri="{FF2B5EF4-FFF2-40B4-BE49-F238E27FC236}">
-                <a16:creationId xmlns:a16="http://schemas.microsoft.com/office/drawing/2014/main" id="{576778A4-88F0-96BE-01C0-43A2A6688862}"/>
-              </a:ext>
-            </a:extLst>
-          </p:cNvPr>
-          <p:cNvSpPr/>
-          <p:nvPr/>
-        </p:nvSpPr>
-        <p:spPr>
-          <a:xfrm>
-            <a:off x="10389260" y="238125"/>
-            <a:ext cx="499719" cy="1390650"/>
-          </a:xfrm>
-          <a:prstGeom prst="rect">
-            <a:avLst/>
-          </a:prstGeom>
-          <a:solidFill>
-            <a:schemeClr val="accent3"/>
-          </a:solidFill>
-          <a:ln>
-            <a:noFill/>
-          </a:ln>
-        </p:spPr>
-        <p:style>
-          <a:lnRef idx="2">
-            <a:schemeClr val="accent1">
-              <a:shade val="15000"/>
-            </a:schemeClr>
-          </a:lnRef>
-          <a:fillRef idx="1">
-            <a:schemeClr val="accent1"/>
-          </a:fillRef>
-          <a:effectRef idx="0">
-            <a:schemeClr val="accent1"/>
-          </a:effectRef>
-          <a:fontRef idx="minor">
-            <a:schemeClr val="lt1"/>
-          </a:fontRef>
-        </p:style>
-        <p:txBody>
-          <a:bodyPr rtlCol="0" anchor="ctr"/>
-          <a:lstStyle/>
-          <a:p>
-            <a:pPr algn="ctr"/>
-            <a:endParaRPr lang="it-IT"/>
-          </a:p>
-        </p:txBody>
-      </p:sp>
-      <p:sp>
-        <p:nvSpPr>
-          <p:cNvPr id="24" name="Rettangolo 23">
-            <a:extLst>
-              <a:ext uri="{FF2B5EF4-FFF2-40B4-BE49-F238E27FC236}">
-                <a16:creationId xmlns:a16="http://schemas.microsoft.com/office/drawing/2014/main" id="{A287B9F5-5620-FCE5-B68B-42CBB7907EDD}"/>
-              </a:ext>
-            </a:extLst>
-          </p:cNvPr>
-          <p:cNvSpPr/>
-          <p:nvPr/>
-        </p:nvSpPr>
-        <p:spPr>
-          <a:xfrm>
-            <a:off x="11108040" y="238125"/>
-            <a:ext cx="499719" cy="1390650"/>
-          </a:xfrm>
-          <a:prstGeom prst="rect">
-            <a:avLst/>
-          </a:prstGeom>
-          <a:solidFill>
-            <a:schemeClr val="accent3"/>
-          </a:solidFill>
-          <a:ln>
-            <a:noFill/>
-          </a:ln>
-        </p:spPr>
-        <p:style>
-          <a:lnRef idx="2">
-            <a:schemeClr val="accent1">
-              <a:shade val="15000"/>
-            </a:schemeClr>
-          </a:lnRef>
-          <a:fillRef idx="1">
-            <a:schemeClr val="accent1"/>
-          </a:fillRef>
-          <a:effectRef idx="0">
-            <a:schemeClr val="accent1"/>
-          </a:effectRef>
-          <a:fontRef idx="minor">
-            <a:schemeClr val="lt1"/>
-          </a:fontRef>
-        </p:style>
-        <p:txBody>
-          <a:bodyPr rtlCol="0" anchor="ctr"/>
-          <a:lstStyle/>
-          <a:p>
-            <a:pPr algn="ctr"/>
-            <a:endParaRPr lang="it-IT"/>
-          </a:p>
-        </p:txBody>
-      </p:sp>
-      <p:pic>
-        <p:nvPicPr>
-          <p:cNvPr id="4" name="Immagine 3">
-            <a:extLst>
-              <a:ext uri="{FF2B5EF4-FFF2-40B4-BE49-F238E27FC236}">
-                <a16:creationId xmlns:a16="http://schemas.microsoft.com/office/drawing/2014/main" id="{1F97317D-741E-9358-491E-AA560C0D0433}"/>
-              </a:ext>
-            </a:extLst>
-          </p:cNvPr>
-          <p:cNvPicPr>
-            <a:picLocks noChangeAspect="1"/>
-          </p:cNvPicPr>
-          <p:nvPr/>
-        </p:nvPicPr>
-        <p:blipFill>
-          <a:blip r:embed="rId5"/>
-          <a:stretch>
-            <a:fillRect/>
-          </a:stretch>
-        </p:blipFill>
-        <p:spPr>
-          <a:xfrm>
-            <a:off x="733533" y="1715643"/>
-            <a:ext cx="5654530" cy="932396"/>
-          </a:xfrm>
-          <a:prstGeom prst="rect">
-            <a:avLst/>
-          </a:prstGeom>
-        </p:spPr>
-      </p:pic>
-      <p:pic>
-        <p:nvPicPr>
-          <p:cNvPr id="7" name="Immagine 6">
-            <a:extLst>
-              <a:ext uri="{FF2B5EF4-FFF2-40B4-BE49-F238E27FC236}">
-                <a16:creationId xmlns:a16="http://schemas.microsoft.com/office/drawing/2014/main" id="{F50DCA00-4124-9216-F53A-81930AE186B8}"/>
-              </a:ext>
-            </a:extLst>
-          </p:cNvPr>
-          <p:cNvPicPr>
-            <a:picLocks noChangeAspect="1"/>
-          </p:cNvPicPr>
-          <p:nvPr/>
-        </p:nvPicPr>
-        <p:blipFill>
-          <a:blip r:embed="rId6"/>
-          <a:stretch>
-            <a:fillRect/>
-          </a:stretch>
-        </p:blipFill>
-        <p:spPr>
-          <a:xfrm>
-            <a:off x="733533" y="3046445"/>
-            <a:ext cx="5654530" cy="1775614"/>
-          </a:xfrm>
-          <a:prstGeom prst="rect">
-            <a:avLst/>
-          </a:prstGeom>
-        </p:spPr>
-      </p:pic>
-      <p:pic>
-        <p:nvPicPr>
-          <p:cNvPr id="9" name="Immagine 8">
-            <a:extLst>
-              <a:ext uri="{FF2B5EF4-FFF2-40B4-BE49-F238E27FC236}">
-                <a16:creationId xmlns:a16="http://schemas.microsoft.com/office/drawing/2014/main" id="{AC02F56B-3918-D3E6-1EDF-B6BB07A1D045}"/>
-              </a:ext>
-            </a:extLst>
-          </p:cNvPr>
-          <p:cNvPicPr>
-            <a:picLocks noChangeAspect="1"/>
-          </p:cNvPicPr>
-          <p:nvPr/>
-        </p:nvPicPr>
-        <p:blipFill>
-          <a:blip r:embed="rId7"/>
-          <a:stretch>
-            <a:fillRect/>
-          </a:stretch>
-        </p:blipFill>
-        <p:spPr>
-          <a:xfrm>
-            <a:off x="6990245" y="722376"/>
-            <a:ext cx="3898734" cy="5060478"/>
-          </a:xfrm>
-          <a:prstGeom prst="rect">
-            <a:avLst/>
-          </a:prstGeom>
-        </p:spPr>
-      </p:pic>
+              <a:t> </a:t>
+            </a:r>
+            <a:r>
+              <a:rPr lang="it-IT" dirty="0" err="1"/>
+              <a:t>we</a:t>
+            </a:r>
+            <a:r>
+              <a:rPr lang="it-IT" dirty="0"/>
+              <a:t> can </a:t>
+            </a:r>
+            <a:r>
+              <a:rPr lang="it-IT" dirty="0" err="1"/>
+              <a:t>see</a:t>
+            </a:r>
+            <a:r>
+              <a:rPr lang="it-IT" dirty="0"/>
+              <a:t> </a:t>
+            </a:r>
+            <a:r>
+              <a:rPr lang="it-IT" dirty="0" err="1"/>
+              <a:t>that</a:t>
+            </a:r>
+            <a:r>
+              <a:rPr lang="it-IT" dirty="0"/>
+              <a:t> the feature </a:t>
+            </a:r>
+            <a:r>
+              <a:rPr lang="it-IT" dirty="0" err="1"/>
+              <a:t>extracted</a:t>
+            </a:r>
+            <a:r>
+              <a:rPr lang="it-IT" dirty="0"/>
+              <a:t> for </a:t>
+            </a:r>
+            <a:r>
+              <a:rPr lang="it-IT" dirty="0" err="1"/>
+              <a:t>cold</a:t>
+            </a:r>
+            <a:r>
+              <a:rPr lang="it-IT" dirty="0"/>
+              <a:t> water are LESS dispersive for the </a:t>
+            </a:r>
+            <a:r>
+              <a:rPr lang="it-IT" dirty="0" err="1"/>
+              <a:t>central</a:t>
+            </a:r>
+            <a:r>
+              <a:rPr lang="it-IT" dirty="0"/>
+              <a:t> filters </a:t>
+            </a:r>
+            <a:r>
+              <a:rPr lang="it-IT" dirty="0" err="1"/>
+              <a:t>than</a:t>
+            </a:r>
+            <a:r>
+              <a:rPr lang="it-IT" dirty="0"/>
+              <a:t> the one </a:t>
+            </a:r>
+            <a:r>
+              <a:rPr lang="it-IT" dirty="0" err="1"/>
+              <a:t>extracted</a:t>
+            </a:r>
+            <a:r>
+              <a:rPr lang="it-IT" dirty="0"/>
+              <a:t> for hot water. </a:t>
+            </a:r>
+          </a:p>
+        </p:txBody>
+      </p:sp>
     </p:spTree>
     <p:extLst>
       <p:ext uri="{BB962C8B-B14F-4D97-AF65-F5344CB8AC3E}">
@@ -30561,12 +30582,14 @@
         </p:nvSpPr>
         <p:spPr>
           <a:xfrm>
-            <a:off x="709127" y="2422973"/>
-            <a:ext cx="8762246" cy="2012053"/>
+            <a:off x="373218" y="2391119"/>
+            <a:ext cx="8762246" cy="3194056"/>
           </a:xfrm>
         </p:spPr>
         <p:txBody>
-          <a:bodyPr rtlCol="0"/>
+          <a:bodyPr rtlCol="0">
+            <a:normAutofit/>
+          </a:bodyPr>
           <a:lstStyle>
             <a:defPPr>
               <a:defRPr lang="it-IT"/>
@@ -30786,117 +30809,128 @@
               <a:rPr lang="it-IT" dirty="0"/>
               <a:t>: </a:t>
             </a:r>
-            <a:r>
-              <a:rPr lang="it-IT" dirty="0" err="1"/>
+          </a:p>
+          <a:p>
+            <a:pPr algn="just"/>
+            <a:endParaRPr lang="it-IT" dirty="0"/>
+          </a:p>
+          <a:p>
+            <a:pPr algn="ctr"/>
+            <a:r>
+              <a:rPr lang="it-IT" i="1" dirty="0"/>
+              <a:t>&lt;&lt;</a:t>
+            </a:r>
+            <a:r>
+              <a:rPr lang="it-IT" i="1" dirty="0" err="1"/>
               <a:t>how</a:t>
             </a:r>
             <a:r>
-              <a:rPr lang="it-IT" dirty="0"/>
+              <a:rPr lang="it-IT" i="1" dirty="0"/>
               <a:t> </a:t>
             </a:r>
             <a:r>
-              <a:rPr lang="it-IT" dirty="0" err="1"/>
+              <a:rPr lang="it-IT" i="1" dirty="0" err="1"/>
               <a:t>is</a:t>
             </a:r>
             <a:r>
-              <a:rPr lang="it-IT" dirty="0"/>
+              <a:rPr lang="it-IT" i="1" dirty="0"/>
               <a:t> </a:t>
             </a:r>
             <a:r>
-              <a:rPr lang="it-IT" dirty="0" err="1"/>
+              <a:rPr lang="it-IT" i="1" dirty="0" err="1"/>
               <a:t>it</a:t>
             </a:r>
             <a:r>
-              <a:rPr lang="it-IT" dirty="0"/>
+              <a:rPr lang="it-IT" i="1" dirty="0"/>
               <a:t> </a:t>
             </a:r>
             <a:r>
-              <a:rPr lang="it-IT" dirty="0" err="1"/>
+              <a:rPr lang="it-IT" i="1" dirty="0" err="1"/>
               <a:t>possible</a:t>
             </a:r>
             <a:r>
-              <a:rPr lang="it-IT" dirty="0"/>
+              <a:rPr lang="it-IT" i="1" dirty="0"/>
               <a:t> for </a:t>
             </a:r>
             <a:r>
-              <a:rPr lang="it-IT" dirty="0" err="1"/>
+              <a:rPr lang="it-IT" i="1" dirty="0" err="1"/>
               <a:t>our</a:t>
             </a:r>
             <a:r>
-              <a:rPr lang="it-IT" dirty="0"/>
+              <a:rPr lang="it-IT" i="1" dirty="0"/>
               <a:t> </a:t>
             </a:r>
             <a:r>
-              <a:rPr lang="it-IT" dirty="0" err="1"/>
+              <a:rPr lang="it-IT" i="1" dirty="0" err="1"/>
               <a:t>ear</a:t>
             </a:r>
             <a:r>
-              <a:rPr lang="it-IT" dirty="0"/>
+              <a:rPr lang="it-IT" i="1" dirty="0"/>
               <a:t> and brain to </a:t>
             </a:r>
             <a:r>
-              <a:rPr lang="it-IT" dirty="0" err="1"/>
+              <a:rPr lang="it-IT" i="1" dirty="0" err="1"/>
               <a:t>collect</a:t>
             </a:r>
             <a:r>
-              <a:rPr lang="it-IT" dirty="0"/>
+              <a:rPr lang="it-IT" i="1" dirty="0"/>
               <a:t> and </a:t>
             </a:r>
             <a:r>
-              <a:rPr lang="it-IT" dirty="0" err="1"/>
+              <a:rPr lang="it-IT" i="1" dirty="0" err="1"/>
               <a:t>decode</a:t>
             </a:r>
             <a:r>
-              <a:rPr lang="it-IT" dirty="0"/>
+              <a:rPr lang="it-IT" i="1" dirty="0"/>
               <a:t> information </a:t>
             </a:r>
             <a:r>
-              <a:rPr lang="it-IT" dirty="0" err="1"/>
+              <a:rPr lang="it-IT" i="1" dirty="0" err="1"/>
               <a:t>that</a:t>
             </a:r>
             <a:r>
-              <a:rPr lang="it-IT" dirty="0"/>
+              <a:rPr lang="it-IT" i="1" dirty="0"/>
               <a:t> are </a:t>
             </a:r>
             <a:r>
-              <a:rPr lang="it-IT" dirty="0" err="1"/>
+              <a:rPr lang="it-IT" i="1" dirty="0" err="1"/>
               <a:t>apparently</a:t>
             </a:r>
             <a:r>
-              <a:rPr lang="it-IT" dirty="0"/>
+              <a:rPr lang="it-IT" i="1" dirty="0"/>
               <a:t> </a:t>
             </a:r>
             <a:r>
-              <a:rPr lang="it-IT" dirty="0" err="1"/>
+              <a:rPr lang="it-IT" i="1" dirty="0" err="1"/>
               <a:t>unrelated</a:t>
             </a:r>
             <a:r>
-              <a:rPr lang="it-IT" dirty="0"/>
+              <a:rPr lang="it-IT" i="1" dirty="0"/>
               <a:t> with </a:t>
             </a:r>
             <a:r>
-              <a:rPr lang="it-IT" dirty="0" err="1"/>
+              <a:rPr lang="it-IT" i="1" dirty="0" err="1"/>
               <a:t>what</a:t>
             </a:r>
             <a:r>
-              <a:rPr lang="it-IT" dirty="0"/>
+              <a:rPr lang="it-IT" i="1" dirty="0"/>
               <a:t> </a:t>
             </a:r>
             <a:r>
-              <a:rPr lang="it-IT" dirty="0" err="1"/>
+              <a:rPr lang="it-IT" i="1" dirty="0" err="1"/>
               <a:t>we</a:t>
             </a:r>
             <a:r>
-              <a:rPr lang="it-IT" dirty="0"/>
+              <a:rPr lang="it-IT" i="1" dirty="0"/>
               <a:t> are </a:t>
             </a:r>
             <a:r>
-              <a:rPr lang="it-IT" dirty="0" err="1"/>
+              <a:rPr lang="it-IT" i="1" u="sng" dirty="0" err="1"/>
               <a:t>actually</a:t>
             </a:r>
             <a:r>
-              <a:rPr lang="it-IT" dirty="0"/>
-              <a:t> hearing? </a:t>
+              <a:rPr lang="it-IT" i="1" dirty="0"/>
+              <a:t> hearing? &gt;&gt;</a:t>
             </a:r>
           </a:p>
           <a:p>
@@ -31144,6 +31178,94 @@
           </a:prstGeom>
         </p:spPr>
       </p:pic>
+      <p:pic>
+        <p:nvPicPr>
+          <p:cNvPr id="3" name="Immagine 2" descr="Immagine che contiene strumento, cartone animato, termometro, illustrazione&#10;&#10;Descrizione generata automaticamente">
+            <a:extLst>
+              <a:ext uri="{FF2B5EF4-FFF2-40B4-BE49-F238E27FC236}">
+                <a16:creationId xmlns:a16="http://schemas.microsoft.com/office/drawing/2014/main" id="{5E251D8B-8659-3314-93DA-1C13F7B8721A}"/>
+              </a:ext>
+            </a:extLst>
+          </p:cNvPr>
+          <p:cNvPicPr>
+            <a:picLocks noChangeAspect="1"/>
+          </p:cNvPicPr>
+          <p:nvPr/>
+        </p:nvPicPr>
+        <p:blipFill>
+          <a:blip r:embed="rId5"/>
+          <a:stretch>
+            <a:fillRect/>
+          </a:stretch>
+        </p:blipFill>
+        <p:spPr>
+          <a:xfrm>
+            <a:off x="9348331" y="1693832"/>
+            <a:ext cx="2616686" cy="4588631"/>
+          </a:xfrm>
+          <a:prstGeom prst="rect">
+            <a:avLst/>
+          </a:prstGeom>
+          <a:ln>
+            <a:noFill/>
+          </a:ln>
+          <a:effectLst>
+            <a:outerShdw blurRad="190500" algn="tl" rotWithShape="0">
+              <a:srgbClr val="000000">
+                <a:alpha val="70000"/>
+              </a:srgbClr>
+            </a:outerShdw>
+          </a:effectLst>
+        </p:spPr>
+      </p:pic>
+      <p:sp>
+        <p:nvSpPr>
+          <p:cNvPr id="4" name="Rettangolo 3">
+            <a:extLst>
+              <a:ext uri="{FF2B5EF4-FFF2-40B4-BE49-F238E27FC236}">
+                <a16:creationId xmlns:a16="http://schemas.microsoft.com/office/drawing/2014/main" id="{92A3A17F-D9D3-C56C-99C7-43E304A0AA23}"/>
+              </a:ext>
+            </a:extLst>
+          </p:cNvPr>
+          <p:cNvSpPr/>
+          <p:nvPr/>
+        </p:nvSpPr>
+        <p:spPr>
+          <a:xfrm>
+            <a:off x="9678853" y="5820798"/>
+            <a:ext cx="2015409" cy="923330"/>
+          </a:xfrm>
+          <a:prstGeom prst="rect">
+            <a:avLst/>
+          </a:prstGeom>
+          <a:noFill/>
+        </p:spPr>
+        <p:txBody>
+          <a:bodyPr wrap="square" lIns="91440" tIns="45720" rIns="91440" bIns="45720">
+            <a:spAutoFit/>
+          </a:bodyPr>
+          <a:lstStyle/>
+          <a:p>
+            <a:pPr algn="ctr"/>
+            <a:r>
+              <a:rPr lang="it-IT" sz="5400" b="0" cap="none" spc="0" dirty="0">
+                <a:ln w="0"/>
+                <a:solidFill>
+                  <a:schemeClr val="tx1"/>
+                </a:solidFill>
+                <a:effectLst>
+                  <a:outerShdw blurRad="38100" dist="19050" dir="2700000" algn="tl" rotWithShape="0">
+                    <a:schemeClr val="dk1">
+                      <a:alpha val="40000"/>
+                    </a:schemeClr>
+                  </a:outerShdw>
+                </a:effectLst>
+              </a:rPr>
+              <a:t>Mike</a:t>
+            </a:r>
+          </a:p>
+        </p:txBody>
+      </p:sp>
     </p:spTree>
     <p:extLst>
       <p:ext uri="{BB962C8B-B14F-4D97-AF65-F5344CB8AC3E}">
@@ -35471,15 +35593,6 @@
 </file>
 
 <file path=customXml/item2.xml><?xml version="1.0" encoding="utf-8"?>
-<?mso-contentType ?>
-<FormTemplates xmlns="http://schemas.microsoft.com/sharepoint/v3/contenttype/forms">
-  <Display>DocumentLibraryForm</Display>
-  <Edit>DocumentLibraryForm</Edit>
-  <New>DocumentLibraryForm</New>
-</FormTemplates>
-</file>
-
-<file path=customXml/item3.xml><?xml version="1.0" encoding="utf-8"?>
 <p:properties xmlns:p="http://schemas.microsoft.com/office/2006/metadata/properties" xmlns:xsi="http://www.w3.org/2001/XMLSchema-instance" xmlns:pc="http://schemas.microsoft.com/office/infopath/2007/PartnerControls">
   <documentManagement>
     <_ip_UnifiedCompliancePolicyUIAction xmlns="http://schemas.microsoft.com/sharepoint/v3" xsi:nil="true"/>
@@ -35497,6 +35610,15 @@
     <MediaServiceKeyPoints xmlns="71af3243-3dd4-4a8d-8c0d-dd76da1f02a5" xsi:nil="true"/>
   </documentManagement>
 </p:properties>
+</file>
+
+<file path=customXml/item3.xml><?xml version="1.0" encoding="utf-8"?>
+<?mso-contentType ?>
+<FormTemplates xmlns="http://schemas.microsoft.com/sharepoint/v3/contenttype/forms">
+  <Display>DocumentLibraryForm</Display>
+  <Edit>DocumentLibraryForm</Edit>
+  <New>DocumentLibraryForm</New>
+</FormTemplates>
 </file>
 
 <file path=customXml/itemProps1.xml><?xml version="1.0" encoding="utf-8"?>
@@ -35521,14 +35643,6 @@
 </file>
 
 <file path=customXml/itemProps2.xml><?xml version="1.0" encoding="utf-8"?>
-<ds:datastoreItem xmlns:ds="http://schemas.openxmlformats.org/officeDocument/2006/customXml" ds:itemID="{83441F37-C10B-49C7-9131-D813AD6E9480}">
-  <ds:schemaRefs>
-    <ds:schemaRef ds:uri="http://schemas.microsoft.com/sharepoint/v3/contenttype/forms"/>
-  </ds:schemaRefs>
-</ds:datastoreItem>
-</file>
-
-<file path=customXml/itemProps3.xml><?xml version="1.0" encoding="utf-8"?>
 <ds:datastoreItem xmlns:ds="http://schemas.openxmlformats.org/officeDocument/2006/customXml" ds:itemID="{3065A588-1D2A-427C-AA32-A236D95C8F89}">
   <ds:schemaRefs>
     <ds:schemaRef ds:uri="http://schemas.microsoft.com/office/infopath/2007/PartnerControls"/>
@@ -35547,6 +35661,14 @@
 </ds:datastoreItem>
 </file>
 
+<file path=customXml/itemProps3.xml><?xml version="1.0" encoding="utf-8"?>
+<ds:datastoreItem xmlns:ds="http://schemas.openxmlformats.org/officeDocument/2006/customXml" ds:itemID="{83441F37-C10B-49C7-9131-D813AD6E9480}">
+  <ds:schemaRefs>
+    <ds:schemaRef ds:uri="http://schemas.microsoft.com/sharepoint/v3/contenttype/forms"/>
+  </ds:schemaRefs>
+</ds:datastoreItem>
+</file>
+
 <file path=docMetadata/LabelInfo.xml><?xml version="1.0" encoding="utf-8"?>
 <clbl:labelList xmlns:clbl="http://schemas.microsoft.com/office/2020/mipLabelMetadata"/>
 </file>
--- a/G22_slides.pptx
+++ b/G22_slides.pptx
@@ -277,7 +277,7 @@
             <a:pPr rtl="0"/>
             <a:fld id="{F89E88F4-14A3-4F0D-ACEB-E3513661AA41}" type="datetime1">
               <a:rPr lang="it-IT" smtClean="0"/>
-              <a:t>13/09/2023</a:t>
+              <a:t>16/09/2023</a:t>
             </a:fld>
             <a:endParaRPr lang="it-IT" dirty="0"/>
           </a:p>
@@ -459,7 +459,7 @@
             <a:fld id="{72556EB7-85BF-4576-875A-5B0CD80C40E6}" type="datetime1">
               <a:rPr lang="it-IT" smtClean="0"/>
               <a:pPr/>
-              <a:t>13/09/2023</a:t>
+              <a:t>16/09/2023</a:t>
             </a:fld>
             <a:endParaRPr lang="it-IT" dirty="0"/>
           </a:p>
@@ -29074,46 +29074,6 @@
           </a:p>
         </p:txBody>
       </p:sp>
-      <p:pic>
-        <p:nvPicPr>
-          <p:cNvPr id="6" name="Immagine 5">
-            <a:extLst>
-              <a:ext uri="{FF2B5EF4-FFF2-40B4-BE49-F238E27FC236}">
-                <a16:creationId xmlns:a16="http://schemas.microsoft.com/office/drawing/2014/main" id="{38B21457-8751-9A86-DB09-EA21F3720882}"/>
-              </a:ext>
-            </a:extLst>
-          </p:cNvPr>
-          <p:cNvPicPr>
-            <a:picLocks noChangeAspect="1"/>
-          </p:cNvPicPr>
-          <p:nvPr/>
-        </p:nvPicPr>
-        <p:blipFill>
-          <a:blip r:embed="rId2"/>
-          <a:stretch>
-            <a:fillRect/>
-          </a:stretch>
-        </p:blipFill>
-        <p:spPr>
-          <a:xfrm>
-            <a:off x="889661" y="2491274"/>
-            <a:ext cx="3744064" cy="3834882"/>
-          </a:xfrm>
-          <a:prstGeom prst="rect">
-            <a:avLst/>
-          </a:prstGeom>
-          <a:ln>
-            <a:noFill/>
-          </a:ln>
-          <a:effectLst>
-            <a:outerShdw blurRad="190500" algn="tl" rotWithShape="0">
-              <a:srgbClr val="000000">
-                <a:alpha val="70000"/>
-              </a:srgbClr>
-            </a:outerShdw>
-          </a:effectLst>
-        </p:spPr>
-      </p:pic>
       <p:sp>
         <p:nvSpPr>
           <p:cNvPr id="7" name="CasellaDiTesto 6">
@@ -29195,14 +29155,14 @@
               <a:buChar char="•"/>
             </a:pPr>
             <a:r>
-              <a:rPr lang="it-IT" dirty="0"/>
+              <a:rPr lang="it-IT" u="sng" dirty="0"/>
               <a:t>KNN </a:t>
             </a:r>
             <a:r>
-              <a:rPr lang="it-IT" dirty="0" err="1"/>
+              <a:rPr lang="it-IT" u="sng" dirty="0" err="1"/>
               <a:t>Regression</a:t>
             </a:r>
-            <a:endParaRPr lang="it-IT" dirty="0"/>
+            <a:endParaRPr lang="it-IT" u="sng" dirty="0"/>
           </a:p>
         </p:txBody>
       </p:sp>
@@ -29221,10 +29181,10 @@
           <p:nvPr/>
         </p:nvPicPr>
         <p:blipFill>
-          <a:blip r:embed="rId3">
+          <a:blip r:embed="rId2">
             <a:extLst>
               <a:ext uri="{96DAC541-7B7A-43D3-8B79-37D633B846F1}">
-                <asvg:svgBlip xmlns:asvg="http://schemas.microsoft.com/office/drawing/2016/SVG/main" r:embed="rId4"/>
+                <asvg:svgBlip xmlns:asvg="http://schemas.microsoft.com/office/drawing/2016/SVG/main" r:embed="rId3"/>
               </a:ext>
             </a:extLst>
           </a:blip>
@@ -29244,10 +29204,40 @@
       </p:pic>
       <p:pic>
         <p:nvPicPr>
-          <p:cNvPr id="12" name="Immagine 11">
-            <a:extLst>
-              <a:ext uri="{FF2B5EF4-FFF2-40B4-BE49-F238E27FC236}">
-                <a16:creationId xmlns:a16="http://schemas.microsoft.com/office/drawing/2014/main" id="{A4438E2F-30F5-AA7D-1F3C-E7F15AC97DCB}"/>
+          <p:cNvPr id="5" name="Immagine 4">
+            <a:extLst>
+              <a:ext uri="{FF2B5EF4-FFF2-40B4-BE49-F238E27FC236}">
+                <a16:creationId xmlns:a16="http://schemas.microsoft.com/office/drawing/2014/main" id="{4A850291-F9D6-D161-7523-C73D41C9FD33}"/>
+              </a:ext>
+            </a:extLst>
+          </p:cNvPr>
+          <p:cNvPicPr>
+            <a:picLocks noChangeAspect="1"/>
+          </p:cNvPicPr>
+          <p:nvPr/>
+        </p:nvPicPr>
+        <p:blipFill>
+          <a:blip r:embed="rId4"/>
+          <a:stretch>
+            <a:fillRect/>
+          </a:stretch>
+        </p:blipFill>
+        <p:spPr>
+          <a:xfrm>
+            <a:off x="5218920" y="2386701"/>
+            <a:ext cx="4357685" cy="3939455"/>
+          </a:xfrm>
+          <a:prstGeom prst="rect">
+            <a:avLst/>
+          </a:prstGeom>
+        </p:spPr>
+      </p:pic>
+      <p:pic>
+        <p:nvPicPr>
+          <p:cNvPr id="9" name="Immagine 8">
+            <a:extLst>
+              <a:ext uri="{FF2B5EF4-FFF2-40B4-BE49-F238E27FC236}">
+                <a16:creationId xmlns:a16="http://schemas.microsoft.com/office/drawing/2014/main" id="{5D671174-8C65-FEE1-4867-8234C2A47483}"/>
               </a:ext>
             </a:extLst>
           </p:cNvPr>
@@ -29264,22 +29254,42 @@
         </p:blipFill>
         <p:spPr>
           <a:xfrm>
-            <a:off x="5218920" y="2491274"/>
-            <a:ext cx="3869095" cy="3834882"/>
+            <a:off x="900294" y="2386701"/>
+            <a:ext cx="3712341" cy="2283598"/>
           </a:xfrm>
           <a:prstGeom prst="rect">
             <a:avLst/>
           </a:prstGeom>
-          <a:ln>
-            <a:noFill/>
-          </a:ln>
-          <a:effectLst>
-            <a:outerShdw blurRad="190500" algn="tl" rotWithShape="0">
-              <a:srgbClr val="000000">
-                <a:alpha val="70000"/>
-              </a:srgbClr>
-            </a:outerShdw>
-          </a:effectLst>
+        </p:spPr>
+      </p:pic>
+      <p:pic>
+        <p:nvPicPr>
+          <p:cNvPr id="14" name="Immagine 13">
+            <a:extLst>
+              <a:ext uri="{FF2B5EF4-FFF2-40B4-BE49-F238E27FC236}">
+                <a16:creationId xmlns:a16="http://schemas.microsoft.com/office/drawing/2014/main" id="{4F7E90E5-E196-7CC2-82CA-AF4F1120CF0D}"/>
+              </a:ext>
+            </a:extLst>
+          </p:cNvPr>
+          <p:cNvPicPr>
+            <a:picLocks noChangeAspect="1"/>
+          </p:cNvPicPr>
+          <p:nvPr/>
+        </p:nvPicPr>
+        <p:blipFill>
+          <a:blip r:embed="rId6"/>
+          <a:stretch>
+            <a:fillRect/>
+          </a:stretch>
+        </p:blipFill>
+        <p:spPr>
+          <a:xfrm>
+            <a:off x="900295" y="4670298"/>
+            <a:ext cx="3712342" cy="1669693"/>
+          </a:xfrm>
+          <a:prstGeom prst="rect">
+            <a:avLst/>
+          </a:prstGeom>
         </p:spPr>
       </p:pic>
     </p:spTree>
@@ -35593,6 +35603,15 @@
 </file>
 
 <file path=customXml/item2.xml><?xml version="1.0" encoding="utf-8"?>
+<?mso-contentType ?>
+<FormTemplates xmlns="http://schemas.microsoft.com/sharepoint/v3/contenttype/forms">
+  <Display>DocumentLibraryForm</Display>
+  <Edit>DocumentLibraryForm</Edit>
+  <New>DocumentLibraryForm</New>
+</FormTemplates>
+</file>
+
+<file path=customXml/item3.xml><?xml version="1.0" encoding="utf-8"?>
 <p:properties xmlns:p="http://schemas.microsoft.com/office/2006/metadata/properties" xmlns:xsi="http://www.w3.org/2001/XMLSchema-instance" xmlns:pc="http://schemas.microsoft.com/office/infopath/2007/PartnerControls">
   <documentManagement>
     <_ip_UnifiedCompliancePolicyUIAction xmlns="http://schemas.microsoft.com/sharepoint/v3" xsi:nil="true"/>
@@ -35610,15 +35629,6 @@
     <MediaServiceKeyPoints xmlns="71af3243-3dd4-4a8d-8c0d-dd76da1f02a5" xsi:nil="true"/>
   </documentManagement>
 </p:properties>
-</file>
-
-<file path=customXml/item3.xml><?xml version="1.0" encoding="utf-8"?>
-<?mso-contentType ?>
-<FormTemplates xmlns="http://schemas.microsoft.com/sharepoint/v3/contenttype/forms">
-  <Display>DocumentLibraryForm</Display>
-  <Edit>DocumentLibraryForm</Edit>
-  <New>DocumentLibraryForm</New>
-</FormTemplates>
 </file>
 
 <file path=customXml/itemProps1.xml><?xml version="1.0" encoding="utf-8"?>
@@ -35643,6 +35653,14 @@
 </file>
 
 <file path=customXml/itemProps2.xml><?xml version="1.0" encoding="utf-8"?>
+<ds:datastoreItem xmlns:ds="http://schemas.openxmlformats.org/officeDocument/2006/customXml" ds:itemID="{83441F37-C10B-49C7-9131-D813AD6E9480}">
+  <ds:schemaRefs>
+    <ds:schemaRef ds:uri="http://schemas.microsoft.com/sharepoint/v3/contenttype/forms"/>
+  </ds:schemaRefs>
+</ds:datastoreItem>
+</file>
+
+<file path=customXml/itemProps3.xml><?xml version="1.0" encoding="utf-8"?>
 <ds:datastoreItem xmlns:ds="http://schemas.openxmlformats.org/officeDocument/2006/customXml" ds:itemID="{3065A588-1D2A-427C-AA32-A236D95C8F89}">
   <ds:schemaRefs>
     <ds:schemaRef ds:uri="http://schemas.microsoft.com/office/infopath/2007/PartnerControls"/>
@@ -35661,14 +35679,6 @@
 </ds:datastoreItem>
 </file>
 
-<file path=customXml/itemProps3.xml><?xml version="1.0" encoding="utf-8"?>
-<ds:datastoreItem xmlns:ds="http://schemas.openxmlformats.org/officeDocument/2006/customXml" ds:itemID="{83441F37-C10B-49C7-9131-D813AD6E9480}">
-  <ds:schemaRefs>
-    <ds:schemaRef ds:uri="http://schemas.microsoft.com/sharepoint/v3/contenttype/forms"/>
-  </ds:schemaRefs>
-</ds:datastoreItem>
-</file>
-
 <file path=docMetadata/LabelInfo.xml><?xml version="1.0" encoding="utf-8"?>
 <clbl:labelList xmlns:clbl="http://schemas.microsoft.com/office/2020/mipLabelMetadata"/>
 </file>
--- a/G22_slides.pptx
+++ b/G22_slides.pptx
@@ -5,10 +5,10 @@
     <p:sldMasterId id="2147483648" r:id="rId4"/>
   </p:sldMasterIdLst>
   <p:notesMasterIdLst>
-    <p:notesMasterId r:id="rId29"/>
+    <p:notesMasterId r:id="rId30"/>
   </p:notesMasterIdLst>
   <p:handoutMasterIdLst>
-    <p:handoutMasterId r:id="rId30"/>
+    <p:handoutMasterId r:id="rId31"/>
   </p:handoutMasterIdLst>
   <p:sldIdLst>
     <p:sldId id="258" r:id="rId5"/>
@@ -32,9 +32,10 @@
     <p:sldId id="300" r:id="rId23"/>
     <p:sldId id="304" r:id="rId24"/>
     <p:sldId id="307" r:id="rId25"/>
-    <p:sldId id="306" r:id="rId26"/>
-    <p:sldId id="305" r:id="rId27"/>
-    <p:sldId id="274" r:id="rId28"/>
+    <p:sldId id="308" r:id="rId26"/>
+    <p:sldId id="306" r:id="rId27"/>
+    <p:sldId id="305" r:id="rId28"/>
+    <p:sldId id="274" r:id="rId29"/>
   </p:sldIdLst>
   <p:sldSz cx="12192000" cy="6858000"/>
   <p:notesSz cx="6858000" cy="9144000"/>
@@ -277,7 +278,7 @@
             <a:pPr rtl="0"/>
             <a:fld id="{F89E88F4-14A3-4F0D-ACEB-E3513661AA41}" type="datetime1">
               <a:rPr lang="it-IT" smtClean="0"/>
-              <a:t>16/09/2023</a:t>
+              <a:t>18/09/2023</a:t>
             </a:fld>
             <a:endParaRPr lang="it-IT" dirty="0"/>
           </a:p>
@@ -459,7 +460,7 @@
             <a:fld id="{72556EB7-85BF-4576-875A-5B0CD80C40E6}" type="datetime1">
               <a:rPr lang="it-IT" smtClean="0"/>
               <a:pPr/>
-              <a:t>16/09/2023</a:t>
+              <a:t>18/09/2023</a:t>
             </a:fld>
             <a:endParaRPr lang="it-IT" dirty="0"/>
           </a:p>
@@ -2035,7 +2036,7 @@
             <a:pPr rtl="0"/>
             <a:fld id="{339D21CC-DD94-204E-93C8-E1AAF3084C8D}" type="slidenum">
               <a:rPr lang="it-IT" smtClean="0"/>
-              <a:t>23</a:t>
+              <a:t>24</a:t>
             </a:fld>
             <a:endParaRPr lang="it-IT"/>
           </a:p>
@@ -2129,7 +2130,7 @@
             <a:pPr rtl="0"/>
             <a:fld id="{339D21CC-DD94-204E-93C8-E1AAF3084C8D}" type="slidenum">
               <a:rPr lang="it-IT" smtClean="0"/>
-              <a:t>24</a:t>
+              <a:t>25</a:t>
             </a:fld>
             <a:endParaRPr lang="it-IT"/>
           </a:p>
@@ -20107,41 +20108,6 @@
           </a:prstGeom>
         </p:spPr>
       </p:pic>
-      <p:pic>
-        <p:nvPicPr>
-          <p:cNvPr id="6" name="Immagine 5">
-            <a:extLst>
-              <a:ext uri="{FF2B5EF4-FFF2-40B4-BE49-F238E27FC236}">
-                <a16:creationId xmlns:a16="http://schemas.microsoft.com/office/drawing/2014/main" id="{A4914286-5B3D-92B0-53D0-6942798BB1FA}"/>
-              </a:ext>
-            </a:extLst>
-          </p:cNvPr>
-          <p:cNvPicPr>
-            <a:picLocks noChangeAspect="1"/>
-          </p:cNvPicPr>
-          <p:nvPr/>
-        </p:nvPicPr>
-        <p:blipFill>
-          <a:blip r:embed="rId5"/>
-          <a:stretch>
-            <a:fillRect/>
-          </a:stretch>
-        </p:blipFill>
-        <p:spPr>
-          <a:xfrm>
-            <a:off x="5303520" y="1898967"/>
-            <a:ext cx="6164472" cy="4624276"/>
-          </a:xfrm>
-          <a:prstGeom prst="rect">
-            <a:avLst/>
-          </a:prstGeom>
-          <a:ln w="28575">
-            <a:solidFill>
-              <a:schemeClr val="tx1"/>
-            </a:solidFill>
-          </a:ln>
-        </p:spPr>
-      </p:pic>
       <p:sp>
         <p:nvSpPr>
           <p:cNvPr id="7" name="Segnaposto contenuto 1">
@@ -20158,8 +20124,8 @@
         </p:nvSpPr>
         <p:spPr>
           <a:xfrm>
-            <a:off x="630335" y="4007905"/>
-            <a:ext cx="4312879" cy="3063207"/>
+            <a:off x="622041" y="1246227"/>
+            <a:ext cx="10845951" cy="3063207"/>
           </a:xfrm>
           <a:prstGeom prst="rect">
             <a:avLst/>
@@ -20373,10 +20339,6 @@
           </a:p>
           <a:p>
             <a:pPr algn="just"/>
-            <a:endParaRPr lang="en-US" dirty="0"/>
-          </a:p>
-          <a:p>
-            <a:pPr algn="just"/>
             <a:r>
               <a:rPr lang="en-US" dirty="0"/>
               <a:t>We did the following:</a:t>
@@ -20420,6 +20382,126 @@
           </a:p>
         </p:txBody>
       </p:sp>
+      <p:sp>
+        <p:nvSpPr>
+          <p:cNvPr id="3" name="AutoShape 2">
+            <a:extLst>
+              <a:ext uri="{FF2B5EF4-FFF2-40B4-BE49-F238E27FC236}">
+                <a16:creationId xmlns:a16="http://schemas.microsoft.com/office/drawing/2014/main" id="{08608EE9-7FE6-9F3C-A52C-D52783C72369}"/>
+              </a:ext>
+            </a:extLst>
+          </p:cNvPr>
+          <p:cNvSpPr>
+            <a:spLocks noChangeAspect="1" noChangeArrowheads="1"/>
+          </p:cNvSpPr>
+          <p:nvPr/>
+        </p:nvSpPr>
+        <p:spPr bwMode="auto">
+          <a:xfrm>
+            <a:off x="5943600" y="3276600"/>
+            <a:ext cx="304800" cy="304800"/>
+          </a:xfrm>
+          <a:prstGeom prst="rect">
+            <a:avLst/>
+          </a:prstGeom>
+          <a:noFill/>
+          <a:extLst>
+            <a:ext uri="{909E8E84-426E-40DD-AFC4-6F175D3DCCD1}">
+              <a14:hiddenFill xmlns:a14="http://schemas.microsoft.com/office/drawing/2010/main">
+                <a:solidFill>
+                  <a:srgbClr val="FFFFFF"/>
+                </a:solidFill>
+              </a14:hiddenFill>
+            </a:ext>
+          </a:extLst>
+        </p:spPr>
+        <p:txBody>
+          <a:bodyPr vert="horz" wrap="square" lIns="91440" tIns="45720" rIns="91440" bIns="45720" numCol="1" anchor="t" anchorCtr="0" compatLnSpc="1">
+            <a:prstTxWarp prst="textNoShape">
+              <a:avLst/>
+            </a:prstTxWarp>
+          </a:bodyPr>
+          <a:lstStyle/>
+          <a:p>
+            <a:endParaRPr lang="it-IT"/>
+          </a:p>
+        </p:txBody>
+      </p:sp>
+      <p:sp>
+        <p:nvSpPr>
+          <p:cNvPr id="4" name="AutoShape 4">
+            <a:extLst>
+              <a:ext uri="{FF2B5EF4-FFF2-40B4-BE49-F238E27FC236}">
+                <a16:creationId xmlns:a16="http://schemas.microsoft.com/office/drawing/2014/main" id="{53100B3A-096D-8EE0-6517-74DBF2A1A735}"/>
+              </a:ext>
+            </a:extLst>
+          </p:cNvPr>
+          <p:cNvSpPr>
+            <a:spLocks noChangeAspect="1" noChangeArrowheads="1"/>
+          </p:cNvSpPr>
+          <p:nvPr/>
+        </p:nvSpPr>
+        <p:spPr bwMode="auto">
+          <a:xfrm>
+            <a:off x="6096000" y="3429000"/>
+            <a:ext cx="304800" cy="304800"/>
+          </a:xfrm>
+          <a:prstGeom prst="rect">
+            <a:avLst/>
+          </a:prstGeom>
+          <a:noFill/>
+          <a:extLst>
+            <a:ext uri="{909E8E84-426E-40DD-AFC4-6F175D3DCCD1}">
+              <a14:hiddenFill xmlns:a14="http://schemas.microsoft.com/office/drawing/2010/main">
+                <a:solidFill>
+                  <a:srgbClr val="FFFFFF"/>
+                </a:solidFill>
+              </a14:hiddenFill>
+            </a:ext>
+          </a:extLst>
+        </p:spPr>
+        <p:txBody>
+          <a:bodyPr vert="horz" wrap="square" lIns="91440" tIns="45720" rIns="91440" bIns="45720" numCol="1" anchor="t" anchorCtr="0" compatLnSpc="1">
+            <a:prstTxWarp prst="textNoShape">
+              <a:avLst/>
+            </a:prstTxWarp>
+          </a:bodyPr>
+          <a:lstStyle/>
+          <a:p>
+            <a:endParaRPr lang="it-IT"/>
+          </a:p>
+        </p:txBody>
+      </p:sp>
+      <p:pic>
+        <p:nvPicPr>
+          <p:cNvPr id="8" name="Immagine 7">
+            <a:extLst>
+              <a:ext uri="{FF2B5EF4-FFF2-40B4-BE49-F238E27FC236}">
+                <a16:creationId xmlns:a16="http://schemas.microsoft.com/office/drawing/2014/main" id="{D7325CFE-2790-8F00-83C0-12412E547285}"/>
+              </a:ext>
+            </a:extLst>
+          </p:cNvPr>
+          <p:cNvPicPr>
+            <a:picLocks noChangeAspect="1"/>
+          </p:cNvPicPr>
+          <p:nvPr/>
+        </p:nvPicPr>
+        <p:blipFill>
+          <a:blip r:embed="rId5"/>
+          <a:stretch>
+            <a:fillRect/>
+          </a:stretch>
+        </p:blipFill>
+        <p:spPr>
+          <a:xfrm>
+            <a:off x="1749490" y="3758001"/>
+            <a:ext cx="8693020" cy="2735744"/>
+          </a:xfrm>
+          <a:prstGeom prst="rect">
+            <a:avLst/>
+          </a:prstGeom>
+        </p:spPr>
+      </p:pic>
     </p:spTree>
     <p:extLst>
       <p:ext uri="{BB962C8B-B14F-4D97-AF65-F5344CB8AC3E}">
@@ -20592,8 +20674,38 @@
         </p:blipFill>
         <p:spPr>
           <a:xfrm>
-            <a:off x="1099913" y="3829938"/>
+            <a:off x="1099914" y="3829938"/>
             <a:ext cx="4162871" cy="2901395"/>
+          </a:xfrm>
+          <a:prstGeom prst="rect">
+            <a:avLst/>
+          </a:prstGeom>
+        </p:spPr>
+      </p:pic>
+      <p:pic>
+        <p:nvPicPr>
+          <p:cNvPr id="4" name="Immagine 3">
+            <a:extLst>
+              <a:ext uri="{FF2B5EF4-FFF2-40B4-BE49-F238E27FC236}">
+                <a16:creationId xmlns:a16="http://schemas.microsoft.com/office/drawing/2014/main" id="{7A58E183-8033-DD17-7C2F-D7AB847D3EA1}"/>
+              </a:ext>
+            </a:extLst>
+          </p:cNvPr>
+          <p:cNvPicPr>
+            <a:picLocks noChangeAspect="1"/>
+          </p:cNvPicPr>
+          <p:nvPr/>
+        </p:nvPicPr>
+        <p:blipFill>
+          <a:blip r:embed="rId6"/>
+          <a:stretch>
+            <a:fillRect/>
+          </a:stretch>
+        </p:blipFill>
+        <p:spPr>
+          <a:xfrm>
+            <a:off x="6096000" y="506476"/>
+            <a:ext cx="4816257" cy="2678035"/>
           </a:xfrm>
           <a:prstGeom prst="rect">
             <a:avLst/>
@@ -29375,6 +29487,545 @@
           </a:p>
         </p:txBody>
       </p:sp>
+      <p:pic>
+        <p:nvPicPr>
+          <p:cNvPr id="13" name="Elemento grafico 12" descr="Disco con riempimento a tinta unita">
+            <a:extLst>
+              <a:ext uri="{FF2B5EF4-FFF2-40B4-BE49-F238E27FC236}">
+                <a16:creationId xmlns:a16="http://schemas.microsoft.com/office/drawing/2014/main" id="{004CC3BE-0353-9809-3B88-9091D9EFA621}"/>
+              </a:ext>
+            </a:extLst>
+          </p:cNvPr>
+          <p:cNvPicPr>
+            <a:picLocks noChangeAspect="1"/>
+          </p:cNvPicPr>
+          <p:nvPr/>
+        </p:nvPicPr>
+        <p:blipFill>
+          <a:blip r:embed="rId2">
+            <a:extLst>
+              <a:ext uri="{96DAC541-7B7A-43D3-8B79-37D633B846F1}">
+                <asvg:svgBlip xmlns:asvg="http://schemas.microsoft.com/office/drawing/2016/SVG/main" r:embed="rId3"/>
+              </a:ext>
+            </a:extLst>
+          </a:blip>
+          <a:stretch>
+            <a:fillRect/>
+          </a:stretch>
+        </p:blipFill>
+        <p:spPr>
+          <a:xfrm>
+            <a:off x="1750295" y="2053616"/>
+            <a:ext cx="621792" cy="621792"/>
+          </a:xfrm>
+          <a:prstGeom prst="rect">
+            <a:avLst/>
+          </a:prstGeom>
+        </p:spPr>
+      </p:pic>
+      <p:pic>
+        <p:nvPicPr>
+          <p:cNvPr id="19" name="Elemento grafico 18" descr="Aspirazione con riempimento a tinta unita">
+            <a:extLst>
+              <a:ext uri="{FF2B5EF4-FFF2-40B4-BE49-F238E27FC236}">
+                <a16:creationId xmlns:a16="http://schemas.microsoft.com/office/drawing/2014/main" id="{276E95F8-CAF2-652A-D6EF-EC226524C08F}"/>
+              </a:ext>
+            </a:extLst>
+          </p:cNvPr>
+          <p:cNvPicPr>
+            <a:picLocks noChangeAspect="1"/>
+          </p:cNvPicPr>
+          <p:nvPr/>
+        </p:nvPicPr>
+        <p:blipFill>
+          <a:blip r:embed="rId4">
+            <a:extLst>
+              <a:ext uri="{96DAC541-7B7A-43D3-8B79-37D633B846F1}">
+                <asvg:svgBlip xmlns:asvg="http://schemas.microsoft.com/office/drawing/2016/SVG/main" r:embed="rId5"/>
+              </a:ext>
+            </a:extLst>
+          </a:blip>
+          <a:stretch>
+            <a:fillRect/>
+          </a:stretch>
+        </p:blipFill>
+        <p:spPr>
+          <a:xfrm>
+            <a:off x="1880282" y="862330"/>
+            <a:ext cx="485073" cy="485073"/>
+          </a:xfrm>
+          <a:prstGeom prst="rect">
+            <a:avLst/>
+          </a:prstGeom>
+        </p:spPr>
+      </p:pic>
+      <p:pic>
+        <p:nvPicPr>
+          <p:cNvPr id="5" name="Immagine 4">
+            <a:extLst>
+              <a:ext uri="{FF2B5EF4-FFF2-40B4-BE49-F238E27FC236}">
+                <a16:creationId xmlns:a16="http://schemas.microsoft.com/office/drawing/2014/main" id="{1CFC6063-8D4B-D8F8-3EC0-9426F2BCB200}"/>
+              </a:ext>
+            </a:extLst>
+          </p:cNvPr>
+          <p:cNvPicPr>
+            <a:picLocks noChangeAspect="1"/>
+          </p:cNvPicPr>
+          <p:nvPr/>
+        </p:nvPicPr>
+        <p:blipFill>
+          <a:blip r:embed="rId6"/>
+          <a:stretch>
+            <a:fillRect/>
+          </a:stretch>
+        </p:blipFill>
+        <p:spPr>
+          <a:xfrm>
+            <a:off x="415033" y="1880884"/>
+            <a:ext cx="5363726" cy="2888160"/>
+          </a:xfrm>
+          <a:prstGeom prst="rect">
+            <a:avLst/>
+          </a:prstGeom>
+          <a:ln>
+            <a:solidFill>
+              <a:schemeClr val="tx1"/>
+            </a:solidFill>
+          </a:ln>
+        </p:spPr>
+      </p:pic>
+      <p:pic>
+        <p:nvPicPr>
+          <p:cNvPr id="7" name="Immagine 6">
+            <a:extLst>
+              <a:ext uri="{FF2B5EF4-FFF2-40B4-BE49-F238E27FC236}">
+                <a16:creationId xmlns:a16="http://schemas.microsoft.com/office/drawing/2014/main" id="{F0C3980B-D26C-C22C-798F-7E1C2FC71E97}"/>
+              </a:ext>
+            </a:extLst>
+          </p:cNvPr>
+          <p:cNvPicPr>
+            <a:picLocks noChangeAspect="1"/>
+          </p:cNvPicPr>
+          <p:nvPr/>
+        </p:nvPicPr>
+        <p:blipFill>
+          <a:blip r:embed="rId7"/>
+          <a:stretch>
+            <a:fillRect/>
+          </a:stretch>
+        </p:blipFill>
+        <p:spPr>
+          <a:xfrm>
+            <a:off x="6413241" y="1880884"/>
+            <a:ext cx="5363726" cy="2888160"/>
+          </a:xfrm>
+          <a:prstGeom prst="rect">
+            <a:avLst/>
+          </a:prstGeom>
+          <a:ln>
+            <a:solidFill>
+              <a:schemeClr val="tx1"/>
+            </a:solidFill>
+          </a:ln>
+        </p:spPr>
+      </p:pic>
+      <p:sp>
+        <p:nvSpPr>
+          <p:cNvPr id="8" name="Segnaposto contenuto 1">
+            <a:extLst>
+              <a:ext uri="{FF2B5EF4-FFF2-40B4-BE49-F238E27FC236}">
+                <a16:creationId xmlns:a16="http://schemas.microsoft.com/office/drawing/2014/main" id="{536A92D8-F529-68A7-11E4-69785A9EFBEE}"/>
+              </a:ext>
+            </a:extLst>
+          </p:cNvPr>
+          <p:cNvSpPr txBox="1">
+            <a:spLocks/>
+          </p:cNvSpPr>
+          <p:nvPr/>
+        </p:nvSpPr>
+        <p:spPr>
+          <a:xfrm>
+            <a:off x="746449" y="4627983"/>
+            <a:ext cx="10713277" cy="1726164"/>
+          </a:xfrm>
+          <a:prstGeom prst="rect">
+            <a:avLst/>
+          </a:prstGeom>
+        </p:spPr>
+        <p:txBody>
+          <a:bodyPr vert="horz" lIns="91440" tIns="45720" rIns="91440" bIns="45720" rtlCol="0" anchor="b">
+            <a:noAutofit/>
+          </a:bodyPr>
+          <a:lstStyle>
+            <a:defPPr>
+              <a:defRPr lang="it-IT"/>
+            </a:defPPr>
+            <a:lvl1pPr marL="0" indent="0" algn="l" defTabSz="914400" rtl="0" eaLnBrk="1" latinLnBrk="0" hangingPunct="1">
+              <a:lnSpc>
+                <a:spcPct val="100000"/>
+              </a:lnSpc>
+              <a:spcBef>
+                <a:spcPts val="0"/>
+              </a:spcBef>
+              <a:buFont typeface="Arial" panose="020B0604020202020204" pitchFamily="34" charset="0"/>
+              <a:buNone/>
+              <a:defRPr lang="it-IT" sz="1800" b="0" kern="1200">
+                <a:solidFill>
+                  <a:schemeClr val="tx1"/>
+                </a:solidFill>
+                <a:latin typeface="+mn-lt"/>
+                <a:ea typeface="+mn-ea"/>
+                <a:cs typeface="+mn-cs"/>
+              </a:defRPr>
+            </a:lvl1pPr>
+            <a:lvl2pPr marL="457200" indent="0" algn="l" defTabSz="914400" rtl="0" eaLnBrk="1" latinLnBrk="0" hangingPunct="1">
+              <a:lnSpc>
+                <a:spcPct val="90000"/>
+              </a:lnSpc>
+              <a:spcBef>
+                <a:spcPts val="500"/>
+              </a:spcBef>
+              <a:buFont typeface="Arial" panose="020B0604020202020204" pitchFamily="34" charset="0"/>
+              <a:buNone/>
+              <a:defRPr lang="it-IT" sz="2000" b="1" kern="1200">
+                <a:solidFill>
+                  <a:schemeClr val="tx1"/>
+                </a:solidFill>
+                <a:latin typeface="+mn-lt"/>
+                <a:ea typeface="+mn-ea"/>
+                <a:cs typeface="+mn-cs"/>
+              </a:defRPr>
+            </a:lvl2pPr>
+            <a:lvl3pPr marL="914400" indent="0" algn="l" defTabSz="914400" rtl="0" eaLnBrk="1" latinLnBrk="0" hangingPunct="1">
+              <a:lnSpc>
+                <a:spcPct val="90000"/>
+              </a:lnSpc>
+              <a:spcBef>
+                <a:spcPts val="500"/>
+              </a:spcBef>
+              <a:buFont typeface="Arial" panose="020B0604020202020204" pitchFamily="34" charset="0"/>
+              <a:buNone/>
+              <a:defRPr lang="it-IT" sz="1800" b="1" kern="1200">
+                <a:solidFill>
+                  <a:schemeClr val="tx1"/>
+                </a:solidFill>
+                <a:latin typeface="+mn-lt"/>
+                <a:ea typeface="+mn-ea"/>
+                <a:cs typeface="+mn-cs"/>
+              </a:defRPr>
+            </a:lvl3pPr>
+            <a:lvl4pPr marL="1371600" indent="0" algn="l" defTabSz="914400" rtl="0" eaLnBrk="1" latinLnBrk="0" hangingPunct="1">
+              <a:lnSpc>
+                <a:spcPct val="90000"/>
+              </a:lnSpc>
+              <a:spcBef>
+                <a:spcPts val="500"/>
+              </a:spcBef>
+              <a:buFont typeface="Arial" panose="020B0604020202020204" pitchFamily="34" charset="0"/>
+              <a:buNone/>
+              <a:defRPr lang="it-IT" sz="1600" b="1" kern="1200">
+                <a:solidFill>
+                  <a:schemeClr val="tx1"/>
+                </a:solidFill>
+                <a:latin typeface="+mn-lt"/>
+                <a:ea typeface="+mn-ea"/>
+                <a:cs typeface="+mn-cs"/>
+              </a:defRPr>
+            </a:lvl4pPr>
+            <a:lvl5pPr marL="1828800" indent="0" algn="l" defTabSz="914400" rtl="0" eaLnBrk="1" latinLnBrk="0" hangingPunct="1">
+              <a:lnSpc>
+                <a:spcPct val="90000"/>
+              </a:lnSpc>
+              <a:spcBef>
+                <a:spcPts val="500"/>
+              </a:spcBef>
+              <a:buFont typeface="Arial" panose="020B0604020202020204" pitchFamily="34" charset="0"/>
+              <a:buNone/>
+              <a:defRPr lang="it-IT" sz="1600" b="1" kern="1200">
+                <a:solidFill>
+                  <a:schemeClr val="tx1"/>
+                </a:solidFill>
+                <a:latin typeface="+mn-lt"/>
+                <a:ea typeface="+mn-ea"/>
+                <a:cs typeface="+mn-cs"/>
+              </a:defRPr>
+            </a:lvl5pPr>
+            <a:lvl6pPr marL="2286000" indent="0" algn="l" defTabSz="914400" rtl="0" eaLnBrk="1" latinLnBrk="0" hangingPunct="1">
+              <a:lnSpc>
+                <a:spcPct val="90000"/>
+              </a:lnSpc>
+              <a:spcBef>
+                <a:spcPts val="500"/>
+              </a:spcBef>
+              <a:buFont typeface="Arial" panose="020B0604020202020204" pitchFamily="34" charset="0"/>
+              <a:buNone/>
+              <a:defRPr lang="it-IT" sz="1600" b="1" kern="1200">
+                <a:solidFill>
+                  <a:schemeClr val="tx1"/>
+                </a:solidFill>
+                <a:latin typeface="+mn-lt"/>
+                <a:ea typeface="+mn-ea"/>
+                <a:cs typeface="+mn-cs"/>
+              </a:defRPr>
+            </a:lvl6pPr>
+            <a:lvl7pPr marL="2743200" indent="0" algn="l" defTabSz="914400" rtl="0" eaLnBrk="1" latinLnBrk="0" hangingPunct="1">
+              <a:lnSpc>
+                <a:spcPct val="90000"/>
+              </a:lnSpc>
+              <a:spcBef>
+                <a:spcPts val="500"/>
+              </a:spcBef>
+              <a:buFont typeface="Arial" panose="020B0604020202020204" pitchFamily="34" charset="0"/>
+              <a:buNone/>
+              <a:defRPr lang="it-IT" sz="1600" b="1" kern="1200">
+                <a:solidFill>
+                  <a:schemeClr val="tx1"/>
+                </a:solidFill>
+                <a:latin typeface="+mn-lt"/>
+                <a:ea typeface="+mn-ea"/>
+                <a:cs typeface="+mn-cs"/>
+              </a:defRPr>
+            </a:lvl7pPr>
+            <a:lvl8pPr marL="3200400" indent="0" algn="l" defTabSz="914400" rtl="0" eaLnBrk="1" latinLnBrk="0" hangingPunct="1">
+              <a:lnSpc>
+                <a:spcPct val="90000"/>
+              </a:lnSpc>
+              <a:spcBef>
+                <a:spcPts val="500"/>
+              </a:spcBef>
+              <a:buFont typeface="Arial" panose="020B0604020202020204" pitchFamily="34" charset="0"/>
+              <a:buNone/>
+              <a:defRPr lang="it-IT" sz="1600" b="1" kern="1200">
+                <a:solidFill>
+                  <a:schemeClr val="tx1"/>
+                </a:solidFill>
+                <a:latin typeface="+mn-lt"/>
+                <a:ea typeface="+mn-ea"/>
+                <a:cs typeface="+mn-cs"/>
+              </a:defRPr>
+            </a:lvl8pPr>
+            <a:lvl9pPr marL="3657600" indent="0" algn="l" defTabSz="914400" rtl="0" eaLnBrk="1" latinLnBrk="0" hangingPunct="1">
+              <a:lnSpc>
+                <a:spcPct val="90000"/>
+              </a:lnSpc>
+              <a:spcBef>
+                <a:spcPts val="500"/>
+              </a:spcBef>
+              <a:buFont typeface="Arial" panose="020B0604020202020204" pitchFamily="34" charset="0"/>
+              <a:buNone/>
+              <a:defRPr lang="it-IT" sz="1600" b="1" kern="1200">
+                <a:solidFill>
+                  <a:schemeClr val="tx1"/>
+                </a:solidFill>
+                <a:latin typeface="+mn-lt"/>
+                <a:ea typeface="+mn-ea"/>
+                <a:cs typeface="+mn-cs"/>
+              </a:defRPr>
+            </a:lvl9pPr>
+          </a:lstStyle>
+          <a:p>
+            <a:pPr algn="just"/>
+            <a:r>
+              <a:rPr lang="en-US" dirty="0"/>
+              <a:t>We </a:t>
+            </a:r>
+            <a:r>
+              <a:rPr lang="en-US" dirty="0">
+                <a:solidFill>
+                  <a:srgbClr val="00B050"/>
+                </a:solidFill>
+              </a:rPr>
+              <a:t>optimized</a:t>
+            </a:r>
+            <a:r>
+              <a:rPr lang="en-US" dirty="0"/>
+              <a:t> the parameters of our model</a:t>
+            </a:r>
+            <a:r>
+              <a:rPr lang="it-IT" dirty="0"/>
+              <a:t>: in </a:t>
+            </a:r>
+            <a:r>
+              <a:rPr lang="it-IT" dirty="0" err="1"/>
+              <a:t>this</a:t>
+            </a:r>
+            <a:r>
+              <a:rPr lang="it-IT" dirty="0"/>
+              <a:t> case in </a:t>
+            </a:r>
+            <a:r>
+              <a:rPr lang="it-IT" dirty="0" err="1"/>
+              <a:t>particular</a:t>
+            </a:r>
+            <a:r>
+              <a:rPr lang="it-IT" dirty="0"/>
+              <a:t> </a:t>
+            </a:r>
+            <a:r>
+              <a:rPr lang="it-IT" dirty="0" err="1"/>
+              <a:t>we</a:t>
+            </a:r>
+            <a:r>
+              <a:rPr lang="it-IT" dirty="0"/>
+              <a:t> are </a:t>
+            </a:r>
+            <a:r>
+              <a:rPr lang="it-IT" dirty="0" err="1"/>
+              <a:t>talking</a:t>
+            </a:r>
+            <a:r>
+              <a:rPr lang="it-IT" dirty="0"/>
+              <a:t> </a:t>
+            </a:r>
+            <a:r>
+              <a:rPr lang="it-IT" dirty="0" err="1"/>
+              <a:t>about</a:t>
+            </a:r>
+            <a:r>
+              <a:rPr lang="it-IT" dirty="0"/>
+              <a:t> kernel </a:t>
+            </a:r>
+            <a:r>
+              <a:rPr lang="it-IT" dirty="0" err="1"/>
+              <a:t>regression</a:t>
+            </a:r>
+            <a:r>
+              <a:rPr lang="it-IT" dirty="0"/>
+              <a:t>. The </a:t>
+            </a:r>
+            <a:r>
+              <a:rPr lang="it-IT" dirty="0" err="1"/>
+              <a:t>parameters</a:t>
+            </a:r>
+            <a:r>
+              <a:rPr lang="it-IT" dirty="0"/>
+              <a:t> to be </a:t>
+            </a:r>
+            <a:r>
+              <a:rPr lang="it-IT" dirty="0" err="1"/>
+              <a:t>considered</a:t>
+            </a:r>
+            <a:r>
+              <a:rPr lang="it-IT" dirty="0"/>
+              <a:t> are the </a:t>
+            </a:r>
+            <a:r>
+              <a:rPr lang="it-IT" dirty="0" err="1"/>
+              <a:t>number</a:t>
+            </a:r>
+            <a:r>
+              <a:rPr lang="it-IT" dirty="0"/>
+              <a:t> of filters in the feature </a:t>
+            </a:r>
+            <a:r>
+              <a:rPr lang="it-IT" dirty="0" err="1"/>
+              <a:t>extraction</a:t>
+            </a:r>
+            <a:r>
+              <a:rPr lang="it-IT" dirty="0"/>
+              <a:t> and the </a:t>
+            </a:r>
+            <a:r>
+              <a:rPr lang="it-IT" dirty="0" err="1"/>
+              <a:t>bandwidth</a:t>
+            </a:r>
+            <a:r>
+              <a:rPr lang="it-IT" dirty="0"/>
+              <a:t> for the kernel. </a:t>
+            </a:r>
+            <a:endParaRPr lang="en-US" dirty="0"/>
+          </a:p>
+          <a:p>
+            <a:endParaRPr lang="en-US" dirty="0"/>
+          </a:p>
+          <a:p>
+            <a:endParaRPr lang="en-US" dirty="0"/>
+          </a:p>
+        </p:txBody>
+      </p:sp>
+    </p:spTree>
+    <p:extLst>
+      <p:ext uri="{BB962C8B-B14F-4D97-AF65-F5344CB8AC3E}">
+        <p14:creationId xmlns:p14="http://schemas.microsoft.com/office/powerpoint/2010/main" val="1251919175"/>
+      </p:ext>
+    </p:extLst>
+  </p:cSld>
+  <p:clrMapOvr>
+    <a:masterClrMapping/>
+  </p:clrMapOvr>
+</p:sld>
+</file>
+
+<file path=ppt/slides/slide23.xml><?xml version="1.0" encoding="utf-8"?>
+<p:sld xmlns:a="http://schemas.openxmlformats.org/drawingml/2006/main" xmlns:r="http://schemas.openxmlformats.org/officeDocument/2006/relationships" xmlns:p="http://schemas.openxmlformats.org/presentationml/2006/main">
+  <p:cSld>
+    <p:spTree>
+      <p:nvGrpSpPr>
+        <p:cNvPr id="1" name=""/>
+        <p:cNvGrpSpPr/>
+        <p:nvPr/>
+      </p:nvGrpSpPr>
+      <p:grpSpPr>
+        <a:xfrm>
+          <a:off x="0" y="0"/>
+          <a:ext cx="0" cy="0"/>
+          <a:chOff x="0" y="0"/>
+          <a:chExt cx="0" cy="0"/>
+        </a:xfrm>
+      </p:grpSpPr>
+      <p:sp>
+        <p:nvSpPr>
+          <p:cNvPr id="2" name="Titolo 1">
+            <a:extLst>
+              <a:ext uri="{FF2B5EF4-FFF2-40B4-BE49-F238E27FC236}">
+                <a16:creationId xmlns:a16="http://schemas.microsoft.com/office/drawing/2014/main" id="{481A5DB0-1022-5B85-BD91-D8F34D2473D4}"/>
+              </a:ext>
+            </a:extLst>
+          </p:cNvPr>
+          <p:cNvSpPr>
+            <a:spLocks noGrp="1"/>
+          </p:cNvSpPr>
+          <p:nvPr>
+            <p:ph type="title"/>
+          </p:nvPr>
+        </p:nvSpPr>
+        <p:spPr/>
+        <p:txBody>
+          <a:bodyPr/>
+          <a:lstStyle/>
+          <a:p>
+            <a:r>
+              <a:rPr lang="it-IT" dirty="0"/>
+              <a:t>LOOCV</a:t>
+            </a:r>
+          </a:p>
+        </p:txBody>
+      </p:sp>
+      <p:sp>
+        <p:nvSpPr>
+          <p:cNvPr id="4" name="Segnaposto testo 3">
+            <a:extLst>
+              <a:ext uri="{FF2B5EF4-FFF2-40B4-BE49-F238E27FC236}">
+                <a16:creationId xmlns:a16="http://schemas.microsoft.com/office/drawing/2014/main" id="{9BDE952A-FFD7-D709-566A-33D16110C798}"/>
+              </a:ext>
+            </a:extLst>
+          </p:cNvPr>
+          <p:cNvSpPr>
+            <a:spLocks noGrp="1"/>
+          </p:cNvSpPr>
+          <p:nvPr>
+            <p:ph type="body" sz="quarter" idx="13"/>
+          </p:nvPr>
+        </p:nvSpPr>
+        <p:spPr/>
+        <p:txBody>
+          <a:bodyPr/>
+          <a:lstStyle/>
+          <a:p>
+            <a:endParaRPr lang="it-IT"/>
+          </a:p>
+        </p:txBody>
+      </p:sp>
       <p:sp>
         <p:nvSpPr>
           <p:cNvPr id="12" name="Rettangolo 11">
@@ -29482,76 +30133,6 @@
           </a:prstGeom>
         </p:spPr>
       </p:pic>
-      <p:pic>
-        <p:nvPicPr>
-          <p:cNvPr id="14" name="Immagine 13">
-            <a:extLst>
-              <a:ext uri="{FF2B5EF4-FFF2-40B4-BE49-F238E27FC236}">
-                <a16:creationId xmlns:a16="http://schemas.microsoft.com/office/drawing/2014/main" id="{07E26D7D-4F86-A61E-1617-621138FE0EE8}"/>
-              </a:ext>
-            </a:extLst>
-          </p:cNvPr>
-          <p:cNvPicPr>
-            <a:picLocks noChangeAspect="1"/>
-          </p:cNvPicPr>
-          <p:nvPr/>
-        </p:nvPicPr>
-        <p:blipFill>
-          <a:blip r:embed="rId4"/>
-          <a:stretch>
-            <a:fillRect/>
-          </a:stretch>
-        </p:blipFill>
-        <p:spPr>
-          <a:xfrm>
-            <a:off x="727788" y="1651291"/>
-            <a:ext cx="5161708" cy="3296196"/>
-          </a:xfrm>
-          <a:prstGeom prst="rect">
-            <a:avLst/>
-          </a:prstGeom>
-          <a:ln>
-            <a:solidFill>
-              <a:schemeClr val="accent3"/>
-            </a:solidFill>
-          </a:ln>
-        </p:spPr>
-      </p:pic>
-      <p:pic>
-        <p:nvPicPr>
-          <p:cNvPr id="15" name="Immagine 14">
-            <a:extLst>
-              <a:ext uri="{FF2B5EF4-FFF2-40B4-BE49-F238E27FC236}">
-                <a16:creationId xmlns:a16="http://schemas.microsoft.com/office/drawing/2014/main" id="{BA9D0A06-19C5-BCF1-0DA2-D84815457F21}"/>
-              </a:ext>
-            </a:extLst>
-          </p:cNvPr>
-          <p:cNvPicPr>
-            <a:picLocks noChangeAspect="1"/>
-          </p:cNvPicPr>
-          <p:nvPr/>
-        </p:nvPicPr>
-        <p:blipFill>
-          <a:blip r:embed="rId5"/>
-          <a:stretch>
-            <a:fillRect/>
-          </a:stretch>
-        </p:blipFill>
-        <p:spPr>
-          <a:xfrm>
-            <a:off x="6283267" y="1651291"/>
-            <a:ext cx="5176459" cy="3296196"/>
-          </a:xfrm>
-          <a:prstGeom prst="rect">
-            <a:avLst/>
-          </a:prstGeom>
-          <a:ln>
-            <a:solidFill>
-              <a:schemeClr val="accent3"/>
-            </a:solidFill>
-          </a:ln>
-        </p:spPr>
-      </p:pic>
       <p:sp>
         <p:nvSpPr>
           <p:cNvPr id="16" name="CasellaDiTesto 15">
@@ -29597,7 +30178,7 @@
             </a:r>
             <a:r>
               <a:rPr lang="it-IT" dirty="0"/>
-              <a:t>2.0408</a:t>
+              <a:t>6.12</a:t>
             </a:r>
             <a:endParaRPr lang="en-US" dirty="0"/>
           </a:p>
@@ -29608,7 +30189,7 @@
             </a:pPr>
             <a:r>
               <a:rPr lang="it-IT" dirty="0"/>
-              <a:t> RMSE = 5.8674</a:t>
+              <a:t> RMSE = 8.22</a:t>
             </a:r>
             <a:endParaRPr lang="en-US" dirty="0"/>
           </a:p>
@@ -29738,7 +30319,7 @@
             </a:pPr>
             <a:r>
               <a:rPr lang="it-IT" dirty="0"/>
-              <a:t> RMSE = 6.3303</a:t>
+              <a:t> RMSE = 8.90</a:t>
             </a:r>
             <a:endParaRPr lang="en-US" dirty="0"/>
           </a:p>
@@ -29759,10 +30340,10 @@
           <p:nvPr/>
         </p:nvPicPr>
         <p:blipFill>
-          <a:blip r:embed="rId6">
+          <a:blip r:embed="rId4">
             <a:extLst>
               <a:ext uri="{96DAC541-7B7A-43D3-8B79-37D633B846F1}">
-                <asvg:svgBlip xmlns:asvg="http://schemas.microsoft.com/office/drawing/2016/SVG/main" r:embed="rId7"/>
+                <asvg:svgBlip xmlns:asvg="http://schemas.microsoft.com/office/drawing/2016/SVG/main" r:embed="rId5"/>
               </a:ext>
             </a:extLst>
           </a:blip>
@@ -29780,6 +30361,76 @@
           </a:prstGeom>
         </p:spPr>
       </p:pic>
+      <p:pic>
+        <p:nvPicPr>
+          <p:cNvPr id="7" name="Immagine 6">
+            <a:extLst>
+              <a:ext uri="{FF2B5EF4-FFF2-40B4-BE49-F238E27FC236}">
+                <a16:creationId xmlns:a16="http://schemas.microsoft.com/office/drawing/2014/main" id="{59E53891-63F2-164B-5C55-D56DEC931FFC}"/>
+              </a:ext>
+            </a:extLst>
+          </p:cNvPr>
+          <p:cNvPicPr>
+            <a:picLocks noChangeAspect="1"/>
+          </p:cNvPicPr>
+          <p:nvPr/>
+        </p:nvPicPr>
+        <p:blipFill>
+          <a:blip r:embed="rId6"/>
+          <a:stretch>
+            <a:fillRect/>
+          </a:stretch>
+        </p:blipFill>
+        <p:spPr>
+          <a:xfrm>
+            <a:off x="434208" y="2142273"/>
+            <a:ext cx="5615134" cy="2538154"/>
+          </a:xfrm>
+          <a:prstGeom prst="rect">
+            <a:avLst/>
+          </a:prstGeom>
+          <a:ln>
+            <a:solidFill>
+              <a:schemeClr val="tx1"/>
+            </a:solidFill>
+          </a:ln>
+        </p:spPr>
+      </p:pic>
+      <p:pic>
+        <p:nvPicPr>
+          <p:cNvPr id="9" name="Immagine 8">
+            <a:extLst>
+              <a:ext uri="{FF2B5EF4-FFF2-40B4-BE49-F238E27FC236}">
+                <a16:creationId xmlns:a16="http://schemas.microsoft.com/office/drawing/2014/main" id="{483E51EB-C841-394D-3571-D9E0E28D64EC}"/>
+              </a:ext>
+            </a:extLst>
+          </p:cNvPr>
+          <p:cNvPicPr>
+            <a:picLocks noChangeAspect="1"/>
+          </p:cNvPicPr>
+          <p:nvPr/>
+        </p:nvPicPr>
+        <p:blipFill>
+          <a:blip r:embed="rId7"/>
+          <a:stretch>
+            <a:fillRect/>
+          </a:stretch>
+        </p:blipFill>
+        <p:spPr>
+          <a:xfrm>
+            <a:off x="6149252" y="2142273"/>
+            <a:ext cx="5615135" cy="2538154"/>
+          </a:xfrm>
+          <a:prstGeom prst="rect">
+            <a:avLst/>
+          </a:prstGeom>
+          <a:ln>
+            <a:solidFill>
+              <a:schemeClr val="tx1"/>
+            </a:solidFill>
+          </a:ln>
+        </p:spPr>
+      </p:pic>
     </p:spTree>
     <p:extLst>
       <p:ext uri="{BB962C8B-B14F-4D97-AF65-F5344CB8AC3E}">
@@ -29793,7 +30444,7 @@
 </p:sld>
 </file>
 
-<file path=ppt/slides/slide23.xml><?xml version="1.0" encoding="utf-8"?>
+<file path=ppt/slides/slide24.xml><?xml version="1.0" encoding="utf-8"?>
 <p:sld xmlns:a="http://schemas.openxmlformats.org/drawingml/2006/main" xmlns:r="http://schemas.openxmlformats.org/officeDocument/2006/relationships" xmlns:p="http://schemas.openxmlformats.org/presentationml/2006/main">
   <p:cSld>
     <p:spTree>
@@ -30067,10 +30718,13 @@
       </p:pic>
       <p:pic>
         <p:nvPicPr>
-          <p:cNvPr id="7" name="Immagine 6">
-            <a:extLst>
-              <a:ext uri="{FF2B5EF4-FFF2-40B4-BE49-F238E27FC236}">
-                <a16:creationId xmlns:a16="http://schemas.microsoft.com/office/drawing/2014/main" id="{F50DCA00-4124-9216-F53A-81930AE186B8}"/>
+          <p:cNvPr id="8" name="Immagine 7">
+            <a:extLst>
+              <a:ext uri="{FF2B5EF4-FFF2-40B4-BE49-F238E27FC236}">
+                <a16:creationId xmlns:a16="http://schemas.microsoft.com/office/drawing/2014/main" id="{23634EB6-BBAE-ABBD-897B-A7FC19793806}"/>
+              </a:ext>
+              <a:ext uri="{C183D7F6-B498-43B3-948B-1728B52AA6E4}">
+                <adec:decorative xmlns:adec="http://schemas.microsoft.com/office/drawing/2017/decorative" val="0"/>
               </a:ext>
             </a:extLst>
           </p:cNvPr>
@@ -30080,97 +30734,10 @@
           <p:nvPr/>
         </p:nvPicPr>
         <p:blipFill>
-          <a:blip r:embed="rId4"/>
-          <a:stretch>
-            <a:fillRect/>
-          </a:stretch>
-        </p:blipFill>
-        <p:spPr>
-          <a:xfrm>
-            <a:off x="3560798" y="4144898"/>
-            <a:ext cx="5654530" cy="1775614"/>
-          </a:xfrm>
-          <a:prstGeom prst="rect">
-            <a:avLst/>
-          </a:prstGeom>
-          <a:ln w="19050">
-            <a:solidFill>
-              <a:schemeClr val="tx1"/>
-            </a:solidFill>
-          </a:ln>
-          <a:effectLst>
-            <a:outerShdw blurRad="292100" dist="139700" dir="2700000" algn="tl" rotWithShape="0">
-              <a:srgbClr val="333333">
-                <a:alpha val="65000"/>
-              </a:srgbClr>
-            </a:outerShdw>
-          </a:effectLst>
-        </p:spPr>
-      </p:pic>
-      <p:pic>
-        <p:nvPicPr>
-          <p:cNvPr id="9" name="Immagine 8">
-            <a:extLst>
-              <a:ext uri="{FF2B5EF4-FFF2-40B4-BE49-F238E27FC236}">
-                <a16:creationId xmlns:a16="http://schemas.microsoft.com/office/drawing/2014/main" id="{AC02F56B-3918-D3E6-1EDF-B6BB07A1D045}"/>
-              </a:ext>
-            </a:extLst>
-          </p:cNvPr>
-          <p:cNvPicPr>
-            <a:picLocks noChangeAspect="1"/>
-          </p:cNvPicPr>
-          <p:nvPr/>
-        </p:nvPicPr>
-        <p:blipFill>
-          <a:blip r:embed="rId5"/>
-          <a:stretch>
-            <a:fillRect/>
-          </a:stretch>
-        </p:blipFill>
-        <p:spPr>
-          <a:xfrm>
-            <a:off x="8122934" y="1120140"/>
-            <a:ext cx="3898734" cy="5060478"/>
-          </a:xfrm>
-          <a:prstGeom prst="rect">
-            <a:avLst/>
-          </a:prstGeom>
-          <a:ln w="19050">
-            <a:solidFill>
-              <a:schemeClr val="tx1"/>
-            </a:solidFill>
-          </a:ln>
-          <a:effectLst>
-            <a:outerShdw blurRad="292100" dist="139700" dir="2700000" algn="tl" rotWithShape="0">
-              <a:srgbClr val="333333">
-                <a:alpha val="65000"/>
-              </a:srgbClr>
-            </a:outerShdw>
-          </a:effectLst>
-        </p:spPr>
-      </p:pic>
-      <p:pic>
-        <p:nvPicPr>
-          <p:cNvPr id="8" name="Immagine 7">
-            <a:extLst>
-              <a:ext uri="{FF2B5EF4-FFF2-40B4-BE49-F238E27FC236}">
-                <a16:creationId xmlns:a16="http://schemas.microsoft.com/office/drawing/2014/main" id="{23634EB6-BBAE-ABBD-897B-A7FC19793806}"/>
-              </a:ext>
-              <a:ext uri="{C183D7F6-B498-43B3-948B-1728B52AA6E4}">
-                <adec:decorative xmlns:adec="http://schemas.microsoft.com/office/drawing/2017/decorative" val="0"/>
-              </a:ext>
-            </a:extLst>
-          </p:cNvPr>
-          <p:cNvPicPr>
-            <a:picLocks noChangeAspect="1"/>
-          </p:cNvPicPr>
-          <p:nvPr/>
-        </p:nvPicPr>
-        <p:blipFill>
-          <a:blip r:embed="rId6">
+          <a:blip r:embed="rId4">
             <a:extLst>
               <a:ext uri="{837473B0-CC2E-450A-ABE3-18F120FF3D39}">
-                <a1611:picAttrSrcUrl xmlns:a1611="http://schemas.microsoft.com/office/drawing/2016/11/main" r:id="rId7"/>
+                <a1611:picAttrSrcUrl xmlns:a1611="http://schemas.microsoft.com/office/drawing/2016/11/main" r:id="rId5"/>
               </a:ext>
             </a:extLst>
           </a:blip>
@@ -30202,8 +30769,8 @@
         </p:nvSpPr>
         <p:spPr>
           <a:xfrm>
-            <a:off x="681135" y="1931437"/>
-            <a:ext cx="7324530" cy="2031325"/>
+            <a:off x="681136" y="1931437"/>
+            <a:ext cx="5824440" cy="2308324"/>
           </a:xfrm>
           <a:prstGeom prst="rect">
             <a:avLst/>
@@ -30333,9 +30900,6 @@
             <a:endParaRPr lang="it-IT" dirty="0"/>
           </a:p>
           <a:p>
-            <a:endParaRPr lang="it-IT" dirty="0"/>
-          </a:p>
-          <a:p>
             <a:r>
               <a:rPr lang="it-IT" dirty="0" err="1"/>
               <a:t>Visually</a:t>
@@ -30382,7 +30946,15 @@
             </a:r>
             <a:r>
               <a:rPr lang="it-IT" dirty="0"/>
-              <a:t> water are LESS dispersive for the </a:t>
+              <a:t> water are </a:t>
+            </a:r>
+            <a:r>
+              <a:rPr lang="it-IT" dirty="0" err="1"/>
+              <a:t>less</a:t>
+            </a:r>
+            <a:r>
+              <a:rPr lang="it-IT" dirty="0"/>
+              <a:t> dispersive for the </a:t>
             </a:r>
             <a:r>
               <a:rPr lang="it-IT" dirty="0" err="1"/>
@@ -30406,11 +30978,113 @@
             </a:r>
             <a:r>
               <a:rPr lang="it-IT" dirty="0"/>
-              <a:t> for hot water. </a:t>
-            </a:r>
-          </a:p>
-        </p:txBody>
-      </p:sp>
+              <a:t> for hot water, and </a:t>
+            </a:r>
+            <a:r>
+              <a:rPr lang="it-IT" dirty="0" err="1"/>
+              <a:t>it</a:t>
+            </a:r>
+            <a:r>
+              <a:rPr lang="it-IT" dirty="0"/>
+              <a:t> </a:t>
+            </a:r>
+            <a:r>
+              <a:rPr lang="it-IT" dirty="0" err="1"/>
+              <a:t>is</a:t>
+            </a:r>
+            <a:r>
+              <a:rPr lang="it-IT" dirty="0"/>
+              <a:t> </a:t>
+            </a:r>
+            <a:r>
+              <a:rPr lang="it-IT" dirty="0" err="1"/>
+              <a:t>also</a:t>
+            </a:r>
+            <a:r>
+              <a:rPr lang="it-IT" dirty="0"/>
+              <a:t> more </a:t>
+            </a:r>
+            <a:r>
+              <a:rPr lang="it-IT" dirty="0" err="1"/>
+              <a:t>populated</a:t>
+            </a:r>
+            <a:r>
+              <a:rPr lang="it-IT" dirty="0"/>
+              <a:t>. </a:t>
+            </a:r>
+          </a:p>
+        </p:txBody>
+      </p:sp>
+      <p:pic>
+        <p:nvPicPr>
+          <p:cNvPr id="3" name="Immagine 2">
+            <a:extLst>
+              <a:ext uri="{FF2B5EF4-FFF2-40B4-BE49-F238E27FC236}">
+                <a16:creationId xmlns:a16="http://schemas.microsoft.com/office/drawing/2014/main" id="{74DE96FB-868F-BB76-323B-FE1E08A1811A}"/>
+              </a:ext>
+            </a:extLst>
+          </p:cNvPr>
+          <p:cNvPicPr>
+            <a:picLocks noChangeAspect="1"/>
+          </p:cNvPicPr>
+          <p:nvPr/>
+        </p:nvPicPr>
+        <p:blipFill>
+          <a:blip r:embed="rId6"/>
+          <a:stretch>
+            <a:fillRect/>
+          </a:stretch>
+        </p:blipFill>
+        <p:spPr>
+          <a:xfrm>
+            <a:off x="2047073" y="4285357"/>
+            <a:ext cx="4602879" cy="1646063"/>
+          </a:xfrm>
+          <a:prstGeom prst="rect">
+            <a:avLst/>
+          </a:prstGeom>
+          <a:ln w="19050">
+            <a:solidFill>
+              <a:schemeClr val="tx1"/>
+            </a:solidFill>
+          </a:ln>
+        </p:spPr>
+      </p:pic>
+      <p:pic>
+        <p:nvPicPr>
+          <p:cNvPr id="6" name="Immagine 5">
+            <a:extLst>
+              <a:ext uri="{FF2B5EF4-FFF2-40B4-BE49-F238E27FC236}">
+                <a16:creationId xmlns:a16="http://schemas.microsoft.com/office/drawing/2014/main" id="{283FE225-F7A0-04E9-FEE4-D7E80B81A363}"/>
+              </a:ext>
+            </a:extLst>
+          </p:cNvPr>
+          <p:cNvPicPr>
+            <a:picLocks noChangeAspect="1"/>
+          </p:cNvPicPr>
+          <p:nvPr/>
+        </p:nvPicPr>
+        <p:blipFill>
+          <a:blip r:embed="rId7"/>
+          <a:stretch>
+            <a:fillRect/>
+          </a:stretch>
+        </p:blipFill>
+        <p:spPr>
+          <a:xfrm>
+            <a:off x="6388882" y="1770192"/>
+            <a:ext cx="5631668" cy="3955123"/>
+          </a:xfrm>
+          <a:prstGeom prst="rect">
+            <a:avLst/>
+          </a:prstGeom>
+          <a:ln w="19050">
+            <a:solidFill>
+              <a:schemeClr val="tx1"/>
+            </a:solidFill>
+          </a:ln>
+        </p:spPr>
+      </p:pic>
     </p:spTree>
     <p:extLst>
       <p:ext uri="{BB962C8B-B14F-4D97-AF65-F5344CB8AC3E}">
@@ -30424,7 +31098,7 @@
 </p:sld>
 </file>
 
-<file path=ppt/slides/slide24.xml><?xml version="1.0" encoding="utf-8"?>
+<file path=ppt/slides/slide25.xml><?xml version="1.0" encoding="utf-8"?>
 <p:sld xmlns:a="http://schemas.openxmlformats.org/drawingml/2006/main" xmlns:r="http://schemas.openxmlformats.org/officeDocument/2006/relationships" xmlns:p="http://schemas.openxmlformats.org/presentationml/2006/main">
   <p:cSld>
     <p:bg>
@@ -35603,15 +36277,6 @@
 </file>
 
 <file path=customXml/item2.xml><?xml version="1.0" encoding="utf-8"?>
-<?mso-contentType ?>
-<FormTemplates xmlns="http://schemas.microsoft.com/sharepoint/v3/contenttype/forms">
-  <Display>DocumentLibraryForm</Display>
-  <Edit>DocumentLibraryForm</Edit>
-  <New>DocumentLibraryForm</New>
-</FormTemplates>
-</file>
-
-<file path=customXml/item3.xml><?xml version="1.0" encoding="utf-8"?>
 <p:properties xmlns:p="http://schemas.microsoft.com/office/2006/metadata/properties" xmlns:xsi="http://www.w3.org/2001/XMLSchema-instance" xmlns:pc="http://schemas.microsoft.com/office/infopath/2007/PartnerControls">
   <documentManagement>
     <_ip_UnifiedCompliancePolicyUIAction xmlns="http://schemas.microsoft.com/sharepoint/v3" xsi:nil="true"/>
@@ -35629,6 +36294,15 @@
     <MediaServiceKeyPoints xmlns="71af3243-3dd4-4a8d-8c0d-dd76da1f02a5" xsi:nil="true"/>
   </documentManagement>
 </p:properties>
+</file>
+
+<file path=customXml/item3.xml><?xml version="1.0" encoding="utf-8"?>
+<?mso-contentType ?>
+<FormTemplates xmlns="http://schemas.microsoft.com/sharepoint/v3/contenttype/forms">
+  <Display>DocumentLibraryForm</Display>
+  <Edit>DocumentLibraryForm</Edit>
+  <New>DocumentLibraryForm</New>
+</FormTemplates>
 </file>
 
 <file path=customXml/itemProps1.xml><?xml version="1.0" encoding="utf-8"?>
@@ -35653,14 +36327,6 @@
 </file>
 
 <file path=customXml/itemProps2.xml><?xml version="1.0" encoding="utf-8"?>
-<ds:datastoreItem xmlns:ds="http://schemas.openxmlformats.org/officeDocument/2006/customXml" ds:itemID="{83441F37-C10B-49C7-9131-D813AD6E9480}">
-  <ds:schemaRefs>
-    <ds:schemaRef ds:uri="http://schemas.microsoft.com/sharepoint/v3/contenttype/forms"/>
-  </ds:schemaRefs>
-</ds:datastoreItem>
-</file>
-
-<file path=customXml/itemProps3.xml><?xml version="1.0" encoding="utf-8"?>
 <ds:datastoreItem xmlns:ds="http://schemas.openxmlformats.org/officeDocument/2006/customXml" ds:itemID="{3065A588-1D2A-427C-AA32-A236D95C8F89}">
   <ds:schemaRefs>
     <ds:schemaRef ds:uri="http://schemas.microsoft.com/office/infopath/2007/PartnerControls"/>
@@ -35679,6 +36345,14 @@
 </ds:datastoreItem>
 </file>
 
+<file path=customXml/itemProps3.xml><?xml version="1.0" encoding="utf-8"?>
+<ds:datastoreItem xmlns:ds="http://schemas.openxmlformats.org/officeDocument/2006/customXml" ds:itemID="{83441F37-C10B-49C7-9131-D813AD6E9480}">
+  <ds:schemaRefs>
+    <ds:schemaRef ds:uri="http://schemas.microsoft.com/sharepoint/v3/contenttype/forms"/>
+  </ds:schemaRefs>
+</ds:datastoreItem>
+</file>
+
 <file path=docMetadata/LabelInfo.xml><?xml version="1.0" encoding="utf-8"?>
 <clbl:labelList xmlns:clbl="http://schemas.microsoft.com/office/2020/mipLabelMetadata"/>
 </file>